--- a/slides/F.10.30.DigitalAudio.pptx
+++ b/slides/F.10.30.DigitalAudio.pptx
@@ -5,10 +5,10 @@
     <p:sldMasterId id="2147483648" r:id="rId1"/>
   </p:sldMasterIdLst>
   <p:notesMasterIdLst>
-    <p:notesMasterId r:id="rId37"/>
+    <p:notesMasterId r:id="rId34"/>
   </p:notesMasterIdLst>
   <p:handoutMasterIdLst>
-    <p:handoutMasterId r:id="rId38"/>
+    <p:handoutMasterId r:id="rId35"/>
   </p:handoutMasterIdLst>
   <p:sldIdLst>
     <p:sldId id="324" r:id="rId2"/>
@@ -18,34 +18,31 @@
     <p:sldId id="258" r:id="rId6"/>
     <p:sldId id="269" r:id="rId7"/>
     <p:sldId id="321" r:id="rId8"/>
-    <p:sldId id="271" r:id="rId9"/>
-    <p:sldId id="272" r:id="rId10"/>
-    <p:sldId id="273" r:id="rId11"/>
-    <p:sldId id="293" r:id="rId12"/>
-    <p:sldId id="308" r:id="rId13"/>
-    <p:sldId id="309" r:id="rId14"/>
-    <p:sldId id="310" r:id="rId15"/>
-    <p:sldId id="275" r:id="rId16"/>
-    <p:sldId id="278" r:id="rId17"/>
-    <p:sldId id="329" r:id="rId18"/>
-    <p:sldId id="327" r:id="rId19"/>
-    <p:sldId id="325" r:id="rId20"/>
-    <p:sldId id="326" r:id="rId21"/>
-    <p:sldId id="288" r:id="rId22"/>
-    <p:sldId id="289" r:id="rId23"/>
-    <p:sldId id="322" r:id="rId24"/>
-    <p:sldId id="323" r:id="rId25"/>
-    <p:sldId id="328" r:id="rId26"/>
-    <p:sldId id="279" r:id="rId27"/>
-    <p:sldId id="280" r:id="rId28"/>
-    <p:sldId id="281" r:id="rId29"/>
-    <p:sldId id="282" r:id="rId30"/>
-    <p:sldId id="283" r:id="rId31"/>
-    <p:sldId id="290" r:id="rId32"/>
-    <p:sldId id="292" r:id="rId33"/>
-    <p:sldId id="291" r:id="rId34"/>
-    <p:sldId id="314" r:id="rId35"/>
-    <p:sldId id="316" r:id="rId36"/>
+    <p:sldId id="293" r:id="rId9"/>
+    <p:sldId id="308" r:id="rId10"/>
+    <p:sldId id="309" r:id="rId11"/>
+    <p:sldId id="310" r:id="rId12"/>
+    <p:sldId id="275" r:id="rId13"/>
+    <p:sldId id="278" r:id="rId14"/>
+    <p:sldId id="329" r:id="rId15"/>
+    <p:sldId id="327" r:id="rId16"/>
+    <p:sldId id="325" r:id="rId17"/>
+    <p:sldId id="326" r:id="rId18"/>
+    <p:sldId id="288" r:id="rId19"/>
+    <p:sldId id="289" r:id="rId20"/>
+    <p:sldId id="322" r:id="rId21"/>
+    <p:sldId id="323" r:id="rId22"/>
+    <p:sldId id="328" r:id="rId23"/>
+    <p:sldId id="279" r:id="rId24"/>
+    <p:sldId id="280" r:id="rId25"/>
+    <p:sldId id="281" r:id="rId26"/>
+    <p:sldId id="282" r:id="rId27"/>
+    <p:sldId id="283" r:id="rId28"/>
+    <p:sldId id="290" r:id="rId29"/>
+    <p:sldId id="292" r:id="rId30"/>
+    <p:sldId id="291" r:id="rId31"/>
+    <p:sldId id="314" r:id="rId32"/>
+    <p:sldId id="316" r:id="rId33"/>
   </p:sldIdLst>
   <p:sldSz cx="9144000" cy="6858000" type="screen4x3"/>
   <p:notesSz cx="6858000" cy="9144000"/>
@@ -163,1176 +160,6 @@
 </p:presentation>
 </file>
 
-<file path=ppt/charts/chart1.xml><?xml version="1.0" encoding="utf-8"?>
-<c:chartSpace xmlns:c="http://schemas.openxmlformats.org/drawingml/2006/chart" xmlns:a="http://schemas.openxmlformats.org/drawingml/2006/main" xmlns:r="http://schemas.openxmlformats.org/officeDocument/2006/relationships" xmlns:c16r2="http://schemas.microsoft.com/office/drawing/2015/06/chart">
-  <c:date1904 val="0"/>
-  <c:lang val="en-US"/>
-  <c:roundedCorners val="0"/>
-  <mc:AlternateContent xmlns:mc="http://schemas.openxmlformats.org/markup-compatibility/2006">
-    <mc:Choice xmlns:c14="http://schemas.microsoft.com/office/drawing/2007/8/2/chart" Requires="c14">
-      <c14:style val="102"/>
-    </mc:Choice>
-    <mc:Fallback>
-      <c:style val="2"/>
-    </mc:Fallback>
-  </mc:AlternateContent>
-  <c:chart>
-    <c:autoTitleDeleted val="0"/>
-    <c:plotArea>
-      <c:layout>
-        <c:manualLayout>
-          <c:layoutTarget val="inner"/>
-          <c:xMode val="edge"/>
-          <c:yMode val="edge"/>
-          <c:x val="3.5316686569392096E-2"/>
-          <c:y val="3.5066462728744273E-2"/>
-          <c:w val="0.8561151901332239"/>
-          <c:h val="0.92126704436335705"/>
-        </c:manualLayout>
-      </c:layout>
-      <c:lineChart>
-        <c:grouping val="standard"/>
-        <c:varyColors val="0"/>
-        <c:ser>
-          <c:idx val="0"/>
-          <c:order val="0"/>
-          <c:marker>
-            <c:symbol val="none"/>
-          </c:marker>
-          <c:val>
-            <c:numRef>
-              <c:f>Sheet1!$A$1:$A$32</c:f>
-              <c:numCache>
-                <c:formatCode>General</c:formatCode>
-                <c:ptCount val="32"/>
-                <c:pt idx="0">
-                  <c:v>1</c:v>
-                </c:pt>
-                <c:pt idx="1">
-                  <c:v>2</c:v>
-                </c:pt>
-                <c:pt idx="2">
-                  <c:v>3</c:v>
-                </c:pt>
-                <c:pt idx="3">
-                  <c:v>4</c:v>
-                </c:pt>
-                <c:pt idx="4">
-                  <c:v>5</c:v>
-                </c:pt>
-                <c:pt idx="5">
-                  <c:v>6</c:v>
-                </c:pt>
-                <c:pt idx="6">
-                  <c:v>7</c:v>
-                </c:pt>
-                <c:pt idx="7">
-                  <c:v>8</c:v>
-                </c:pt>
-                <c:pt idx="8">
-                  <c:v>8</c:v>
-                </c:pt>
-                <c:pt idx="9">
-                  <c:v>7</c:v>
-                </c:pt>
-                <c:pt idx="10">
-                  <c:v>6</c:v>
-                </c:pt>
-                <c:pt idx="11">
-                  <c:v>5</c:v>
-                </c:pt>
-                <c:pt idx="12">
-                  <c:v>4</c:v>
-                </c:pt>
-                <c:pt idx="13">
-                  <c:v>3</c:v>
-                </c:pt>
-                <c:pt idx="14">
-                  <c:v>2</c:v>
-                </c:pt>
-                <c:pt idx="15">
-                  <c:v>1</c:v>
-                </c:pt>
-                <c:pt idx="16">
-                  <c:v>1</c:v>
-                </c:pt>
-                <c:pt idx="17">
-                  <c:v>2</c:v>
-                </c:pt>
-                <c:pt idx="18">
-                  <c:v>3</c:v>
-                </c:pt>
-                <c:pt idx="19">
-                  <c:v>4</c:v>
-                </c:pt>
-                <c:pt idx="20">
-                  <c:v>5</c:v>
-                </c:pt>
-                <c:pt idx="21">
-                  <c:v>6</c:v>
-                </c:pt>
-                <c:pt idx="22">
-                  <c:v>7</c:v>
-                </c:pt>
-                <c:pt idx="23">
-                  <c:v>8</c:v>
-                </c:pt>
-                <c:pt idx="24">
-                  <c:v>8</c:v>
-                </c:pt>
-                <c:pt idx="25">
-                  <c:v>7</c:v>
-                </c:pt>
-                <c:pt idx="26">
-                  <c:v>6</c:v>
-                </c:pt>
-                <c:pt idx="27">
-                  <c:v>5</c:v>
-                </c:pt>
-                <c:pt idx="28">
-                  <c:v>4</c:v>
-                </c:pt>
-                <c:pt idx="29">
-                  <c:v>3</c:v>
-                </c:pt>
-                <c:pt idx="30">
-                  <c:v>2</c:v>
-                </c:pt>
-                <c:pt idx="31">
-                  <c:v>1</c:v>
-                </c:pt>
-              </c:numCache>
-            </c:numRef>
-          </c:val>
-          <c:smooth val="0"/>
-          <c:extLst>
-            <c:ext xmlns:c16="http://schemas.microsoft.com/office/drawing/2014/chart" uri="{C3380CC4-5D6E-409C-BE32-E72D297353CC}">
-              <c16:uniqueId val="{00000000-DE72-8B4F-8371-D051F16CB59D}"/>
-            </c:ext>
-          </c:extLst>
-        </c:ser>
-        <c:ser>
-          <c:idx val="1"/>
-          <c:order val="1"/>
-          <c:marker>
-            <c:symbol val="none"/>
-          </c:marker>
-          <c:val>
-            <c:numRef>
-              <c:f>Sheet1!$B$1:$B$32</c:f>
-            </c:numRef>
-          </c:val>
-          <c:smooth val="0"/>
-          <c:extLst>
-            <c:ext xmlns:c16="http://schemas.microsoft.com/office/drawing/2014/chart" uri="{C3380CC4-5D6E-409C-BE32-E72D297353CC}">
-              <c16:uniqueId val="{00000001-DE72-8B4F-8371-D051F16CB59D}"/>
-            </c:ext>
-          </c:extLst>
-        </c:ser>
-        <c:dLbls>
-          <c:showLegendKey val="0"/>
-          <c:showVal val="0"/>
-          <c:showCatName val="0"/>
-          <c:showSerName val="0"/>
-          <c:showPercent val="0"/>
-          <c:showBubbleSize val="0"/>
-        </c:dLbls>
-        <c:smooth val="0"/>
-        <c:axId val="505575208"/>
-        <c:axId val="505578232"/>
-      </c:lineChart>
-      <c:catAx>
-        <c:axId val="505575208"/>
-        <c:scaling>
-          <c:orientation val="minMax"/>
-        </c:scaling>
-        <c:delete val="0"/>
-        <c:axPos val="b"/>
-        <c:majorTickMark val="out"/>
-        <c:minorTickMark val="none"/>
-        <c:tickLblPos val="nextTo"/>
-        <c:crossAx val="505578232"/>
-        <c:crosses val="autoZero"/>
-        <c:auto val="1"/>
-        <c:lblAlgn val="ctr"/>
-        <c:lblOffset val="100"/>
-        <c:noMultiLvlLbl val="0"/>
-      </c:catAx>
-      <c:valAx>
-        <c:axId val="505578232"/>
-        <c:scaling>
-          <c:orientation val="minMax"/>
-        </c:scaling>
-        <c:delete val="0"/>
-        <c:axPos val="l"/>
-        <c:majorGridlines/>
-        <c:numFmt formatCode="General" sourceLinked="1"/>
-        <c:majorTickMark val="out"/>
-        <c:minorTickMark val="none"/>
-        <c:tickLblPos val="nextTo"/>
-        <c:crossAx val="505575208"/>
-        <c:crosses val="autoZero"/>
-        <c:crossBetween val="between"/>
-      </c:valAx>
-      <c:spPr>
-        <a:noFill/>
-        <a:ln w="25400">
-          <a:noFill/>
-        </a:ln>
-      </c:spPr>
-    </c:plotArea>
-    <c:legend>
-      <c:legendPos val="r"/>
-      <c:overlay val="0"/>
-    </c:legend>
-    <c:plotVisOnly val="1"/>
-    <c:dispBlanksAs val="gap"/>
-    <c:showDLblsOverMax val="0"/>
-  </c:chart>
-  <c:externalData r:id="rId1">
-    <c:autoUpdate val="0"/>
-  </c:externalData>
-</c:chartSpace>
-</file>
-
-<file path=ppt/charts/chart2.xml><?xml version="1.0" encoding="utf-8"?>
-<c:chartSpace xmlns:c="http://schemas.openxmlformats.org/drawingml/2006/chart" xmlns:a="http://schemas.openxmlformats.org/drawingml/2006/main" xmlns:r="http://schemas.openxmlformats.org/officeDocument/2006/relationships" xmlns:c16r2="http://schemas.microsoft.com/office/drawing/2015/06/chart">
-  <c:date1904 val="0"/>
-  <c:lang val="en-US"/>
-  <c:roundedCorners val="0"/>
-  <mc:AlternateContent xmlns:mc="http://schemas.openxmlformats.org/markup-compatibility/2006">
-    <mc:Choice xmlns:c14="http://schemas.microsoft.com/office/drawing/2007/8/2/chart" Requires="c14">
-      <c14:style val="102"/>
-    </mc:Choice>
-    <mc:Fallback>
-      <c:style val="2"/>
-    </mc:Fallback>
-  </mc:AlternateContent>
-  <c:chart>
-    <c:autoTitleDeleted val="0"/>
-    <c:plotArea>
-      <c:layout/>
-      <c:lineChart>
-        <c:grouping val="standard"/>
-        <c:varyColors val="0"/>
-        <c:ser>
-          <c:idx val="0"/>
-          <c:order val="0"/>
-          <c:marker>
-            <c:symbol val="none"/>
-          </c:marker>
-          <c:val>
-            <c:numRef>
-              <c:f>Sheet1!$A$1:$A$36</c:f>
-              <c:numCache>
-                <c:formatCode>General</c:formatCode>
-                <c:ptCount val="36"/>
-                <c:pt idx="0">
-                  <c:v>1</c:v>
-                </c:pt>
-                <c:pt idx="1">
-                  <c:v>2</c:v>
-                </c:pt>
-                <c:pt idx="2">
-                  <c:v>3</c:v>
-                </c:pt>
-                <c:pt idx="3">
-                  <c:v>4</c:v>
-                </c:pt>
-                <c:pt idx="4">
-                  <c:v>5</c:v>
-                </c:pt>
-                <c:pt idx="5">
-                  <c:v>6</c:v>
-                </c:pt>
-                <c:pt idx="6">
-                  <c:v>7</c:v>
-                </c:pt>
-                <c:pt idx="7">
-                  <c:v>8</c:v>
-                </c:pt>
-                <c:pt idx="8">
-                  <c:v>8</c:v>
-                </c:pt>
-                <c:pt idx="9">
-                  <c:v>7</c:v>
-                </c:pt>
-                <c:pt idx="10">
-                  <c:v>6</c:v>
-                </c:pt>
-                <c:pt idx="11">
-                  <c:v>5</c:v>
-                </c:pt>
-                <c:pt idx="12">
-                  <c:v>4</c:v>
-                </c:pt>
-                <c:pt idx="13">
-                  <c:v>3</c:v>
-                </c:pt>
-                <c:pt idx="14">
-                  <c:v>2</c:v>
-                </c:pt>
-                <c:pt idx="15">
-                  <c:v>1</c:v>
-                </c:pt>
-                <c:pt idx="16">
-                  <c:v>1</c:v>
-                </c:pt>
-                <c:pt idx="17">
-                  <c:v>2</c:v>
-                </c:pt>
-                <c:pt idx="18">
-                  <c:v>3</c:v>
-                </c:pt>
-                <c:pt idx="19">
-                  <c:v>4</c:v>
-                </c:pt>
-                <c:pt idx="20">
-                  <c:v>5</c:v>
-                </c:pt>
-                <c:pt idx="21">
-                  <c:v>6</c:v>
-                </c:pt>
-                <c:pt idx="22">
-                  <c:v>7</c:v>
-                </c:pt>
-                <c:pt idx="23">
-                  <c:v>8</c:v>
-                </c:pt>
-                <c:pt idx="24">
-                  <c:v>8</c:v>
-                </c:pt>
-                <c:pt idx="25">
-                  <c:v>7</c:v>
-                </c:pt>
-                <c:pt idx="26">
-                  <c:v>6</c:v>
-                </c:pt>
-                <c:pt idx="27">
-                  <c:v>5</c:v>
-                </c:pt>
-                <c:pt idx="28">
-                  <c:v>4</c:v>
-                </c:pt>
-                <c:pt idx="29">
-                  <c:v>3</c:v>
-                </c:pt>
-                <c:pt idx="30">
-                  <c:v>2</c:v>
-                </c:pt>
-                <c:pt idx="31">
-                  <c:v>1</c:v>
-                </c:pt>
-              </c:numCache>
-            </c:numRef>
-          </c:val>
-          <c:smooth val="0"/>
-          <c:extLst>
-            <c:ext xmlns:c16="http://schemas.microsoft.com/office/drawing/2014/chart" uri="{C3380CC4-5D6E-409C-BE32-E72D297353CC}">
-              <c16:uniqueId val="{00000000-374D-1142-9677-303B1C50F301}"/>
-            </c:ext>
-          </c:extLst>
-        </c:ser>
-        <c:ser>
-          <c:idx val="1"/>
-          <c:order val="1"/>
-          <c:val>
-            <c:numRef>
-              <c:f>Sheet1!$B$1:$B$36</c:f>
-            </c:numRef>
-          </c:val>
-          <c:smooth val="0"/>
-          <c:extLst>
-            <c:ext xmlns:c16="http://schemas.microsoft.com/office/drawing/2014/chart" uri="{C3380CC4-5D6E-409C-BE32-E72D297353CC}">
-              <c16:uniqueId val="{00000001-374D-1142-9677-303B1C50F301}"/>
-            </c:ext>
-          </c:extLst>
-        </c:ser>
-        <c:ser>
-          <c:idx val="2"/>
-          <c:order val="2"/>
-          <c:val>
-            <c:numRef>
-              <c:f>Sheet1!$C$1:$C$36</c:f>
-            </c:numRef>
-          </c:val>
-          <c:smooth val="0"/>
-          <c:extLst>
-            <c:ext xmlns:c16="http://schemas.microsoft.com/office/drawing/2014/chart" uri="{C3380CC4-5D6E-409C-BE32-E72D297353CC}">
-              <c16:uniqueId val="{00000002-374D-1142-9677-303B1C50F301}"/>
-            </c:ext>
-          </c:extLst>
-        </c:ser>
-        <c:ser>
-          <c:idx val="3"/>
-          <c:order val="3"/>
-          <c:val>
-            <c:numRef>
-              <c:f>Sheet1!$D$1:$D$36</c:f>
-            </c:numRef>
-          </c:val>
-          <c:smooth val="0"/>
-          <c:extLst>
-            <c:ext xmlns:c16="http://schemas.microsoft.com/office/drawing/2014/chart" uri="{C3380CC4-5D6E-409C-BE32-E72D297353CC}">
-              <c16:uniqueId val="{00000003-374D-1142-9677-303B1C50F301}"/>
-            </c:ext>
-          </c:extLst>
-        </c:ser>
-        <c:ser>
-          <c:idx val="4"/>
-          <c:order val="4"/>
-          <c:marker>
-            <c:symbol val="none"/>
-          </c:marker>
-          <c:val>
-            <c:numRef>
-              <c:f>Sheet1!$E$1:$E$36</c:f>
-              <c:numCache>
-                <c:formatCode>General</c:formatCode>
-                <c:ptCount val="36"/>
-                <c:pt idx="0">
-                  <c:v>1</c:v>
-                </c:pt>
-                <c:pt idx="1">
-                  <c:v>2</c:v>
-                </c:pt>
-                <c:pt idx="2">
-                  <c:v>3</c:v>
-                </c:pt>
-                <c:pt idx="3">
-                  <c:v>3</c:v>
-                </c:pt>
-                <c:pt idx="4">
-                  <c:v>2</c:v>
-                </c:pt>
-                <c:pt idx="5">
-                  <c:v>1</c:v>
-                </c:pt>
-                <c:pt idx="6">
-                  <c:v>1</c:v>
-                </c:pt>
-                <c:pt idx="7">
-                  <c:v>2</c:v>
-                </c:pt>
-                <c:pt idx="8">
-                  <c:v>3</c:v>
-                </c:pt>
-                <c:pt idx="9">
-                  <c:v>3</c:v>
-                </c:pt>
-                <c:pt idx="10">
-                  <c:v>2</c:v>
-                </c:pt>
-                <c:pt idx="11">
-                  <c:v>1</c:v>
-                </c:pt>
-                <c:pt idx="12">
-                  <c:v>1</c:v>
-                </c:pt>
-                <c:pt idx="13">
-                  <c:v>2</c:v>
-                </c:pt>
-                <c:pt idx="14">
-                  <c:v>3</c:v>
-                </c:pt>
-                <c:pt idx="15">
-                  <c:v>3</c:v>
-                </c:pt>
-                <c:pt idx="16">
-                  <c:v>2</c:v>
-                </c:pt>
-                <c:pt idx="17">
-                  <c:v>1</c:v>
-                </c:pt>
-                <c:pt idx="18">
-                  <c:v>1</c:v>
-                </c:pt>
-                <c:pt idx="19">
-                  <c:v>2</c:v>
-                </c:pt>
-                <c:pt idx="20">
-                  <c:v>3</c:v>
-                </c:pt>
-                <c:pt idx="21">
-                  <c:v>3</c:v>
-                </c:pt>
-                <c:pt idx="22">
-                  <c:v>2</c:v>
-                </c:pt>
-                <c:pt idx="23">
-                  <c:v>1</c:v>
-                </c:pt>
-                <c:pt idx="24">
-                  <c:v>1</c:v>
-                </c:pt>
-                <c:pt idx="25">
-                  <c:v>2</c:v>
-                </c:pt>
-                <c:pt idx="26">
-                  <c:v>3</c:v>
-                </c:pt>
-                <c:pt idx="27">
-                  <c:v>3</c:v>
-                </c:pt>
-                <c:pt idx="28">
-                  <c:v>2</c:v>
-                </c:pt>
-                <c:pt idx="29">
-                  <c:v>1</c:v>
-                </c:pt>
-                <c:pt idx="30">
-                  <c:v>1</c:v>
-                </c:pt>
-                <c:pt idx="31">
-                  <c:v>2</c:v>
-                </c:pt>
-                <c:pt idx="32">
-                  <c:v>3</c:v>
-                </c:pt>
-                <c:pt idx="33">
-                  <c:v>3</c:v>
-                </c:pt>
-                <c:pt idx="34">
-                  <c:v>2</c:v>
-                </c:pt>
-                <c:pt idx="35">
-                  <c:v>1</c:v>
-                </c:pt>
-              </c:numCache>
-            </c:numRef>
-          </c:val>
-          <c:smooth val="0"/>
-          <c:extLst>
-            <c:ext xmlns:c16="http://schemas.microsoft.com/office/drawing/2014/chart" uri="{C3380CC4-5D6E-409C-BE32-E72D297353CC}">
-              <c16:uniqueId val="{00000004-374D-1142-9677-303B1C50F301}"/>
-            </c:ext>
-          </c:extLst>
-        </c:ser>
-        <c:dLbls>
-          <c:showLegendKey val="0"/>
-          <c:showVal val="0"/>
-          <c:showCatName val="0"/>
-          <c:showSerName val="0"/>
-          <c:showPercent val="0"/>
-          <c:showBubbleSize val="0"/>
-        </c:dLbls>
-        <c:smooth val="0"/>
-        <c:axId val="505848680"/>
-        <c:axId val="505851768"/>
-      </c:lineChart>
-      <c:catAx>
-        <c:axId val="505848680"/>
-        <c:scaling>
-          <c:orientation val="minMax"/>
-        </c:scaling>
-        <c:delete val="0"/>
-        <c:axPos val="b"/>
-        <c:majorTickMark val="out"/>
-        <c:minorTickMark val="none"/>
-        <c:tickLblPos val="nextTo"/>
-        <c:crossAx val="505851768"/>
-        <c:crosses val="autoZero"/>
-        <c:auto val="1"/>
-        <c:lblAlgn val="ctr"/>
-        <c:lblOffset val="100"/>
-        <c:noMultiLvlLbl val="0"/>
-      </c:catAx>
-      <c:valAx>
-        <c:axId val="505851768"/>
-        <c:scaling>
-          <c:orientation val="minMax"/>
-        </c:scaling>
-        <c:delete val="0"/>
-        <c:axPos val="l"/>
-        <c:majorGridlines/>
-        <c:numFmt formatCode="General" sourceLinked="1"/>
-        <c:majorTickMark val="out"/>
-        <c:minorTickMark val="none"/>
-        <c:tickLblPos val="nextTo"/>
-        <c:crossAx val="505848680"/>
-        <c:crosses val="autoZero"/>
-        <c:crossBetween val="between"/>
-      </c:valAx>
-    </c:plotArea>
-    <c:legend>
-      <c:legendPos val="r"/>
-      <c:overlay val="0"/>
-    </c:legend>
-    <c:plotVisOnly val="1"/>
-    <c:dispBlanksAs val="gap"/>
-    <c:showDLblsOverMax val="0"/>
-  </c:chart>
-  <c:externalData r:id="rId1">
-    <c:autoUpdate val="0"/>
-  </c:externalData>
-</c:chartSpace>
-</file>
-
-<file path=ppt/charts/chart3.xml><?xml version="1.0" encoding="utf-8"?>
-<c:chartSpace xmlns:c="http://schemas.openxmlformats.org/drawingml/2006/chart" xmlns:a="http://schemas.openxmlformats.org/drawingml/2006/main" xmlns:r="http://schemas.openxmlformats.org/officeDocument/2006/relationships" xmlns:c16r2="http://schemas.microsoft.com/office/drawing/2015/06/chart">
-  <c:date1904 val="0"/>
-  <c:lang val="en-US"/>
-  <c:roundedCorners val="0"/>
-  <mc:AlternateContent xmlns:mc="http://schemas.openxmlformats.org/markup-compatibility/2006">
-    <mc:Choice xmlns:c14="http://schemas.microsoft.com/office/drawing/2007/8/2/chart" Requires="c14">
-      <c14:style val="102"/>
-    </mc:Choice>
-    <mc:Fallback>
-      <c:style val="2"/>
-    </mc:Fallback>
-  </mc:AlternateContent>
-  <c:chart>
-    <c:autoTitleDeleted val="0"/>
-    <c:plotArea>
-      <c:layout>
-        <c:manualLayout>
-          <c:layoutTarget val="inner"/>
-          <c:xMode val="edge"/>
-          <c:yMode val="edge"/>
-          <c:x val="3.7637025599880601E-2"/>
-          <c:y val="3.4843205574912897E-2"/>
-          <c:w val="0.84194441075493498"/>
-          <c:h val="0.90575821696068504"/>
-        </c:manualLayout>
-      </c:layout>
-      <c:lineChart>
-        <c:grouping val="standard"/>
-        <c:varyColors val="0"/>
-        <c:ser>
-          <c:idx val="0"/>
-          <c:order val="0"/>
-          <c:marker>
-            <c:symbol val="none"/>
-          </c:marker>
-          <c:val>
-            <c:numRef>
-              <c:f>Sheet1!$A$1:$A$36</c:f>
-              <c:numCache>
-                <c:formatCode>General</c:formatCode>
-                <c:ptCount val="36"/>
-                <c:pt idx="0">
-                  <c:v>1</c:v>
-                </c:pt>
-                <c:pt idx="1">
-                  <c:v>2</c:v>
-                </c:pt>
-                <c:pt idx="2">
-                  <c:v>3</c:v>
-                </c:pt>
-                <c:pt idx="3">
-                  <c:v>4</c:v>
-                </c:pt>
-                <c:pt idx="4">
-                  <c:v>5</c:v>
-                </c:pt>
-                <c:pt idx="5">
-                  <c:v>6</c:v>
-                </c:pt>
-                <c:pt idx="6">
-                  <c:v>7</c:v>
-                </c:pt>
-                <c:pt idx="7">
-                  <c:v>8</c:v>
-                </c:pt>
-                <c:pt idx="8">
-                  <c:v>8</c:v>
-                </c:pt>
-                <c:pt idx="9">
-                  <c:v>7</c:v>
-                </c:pt>
-                <c:pt idx="10">
-                  <c:v>6</c:v>
-                </c:pt>
-                <c:pt idx="11">
-                  <c:v>5</c:v>
-                </c:pt>
-                <c:pt idx="12">
-                  <c:v>4</c:v>
-                </c:pt>
-                <c:pt idx="13">
-                  <c:v>3</c:v>
-                </c:pt>
-                <c:pt idx="14">
-                  <c:v>2</c:v>
-                </c:pt>
-                <c:pt idx="15">
-                  <c:v>1</c:v>
-                </c:pt>
-                <c:pt idx="16">
-                  <c:v>1</c:v>
-                </c:pt>
-                <c:pt idx="17">
-                  <c:v>2</c:v>
-                </c:pt>
-                <c:pt idx="18">
-                  <c:v>3</c:v>
-                </c:pt>
-                <c:pt idx="19">
-                  <c:v>4</c:v>
-                </c:pt>
-                <c:pt idx="20">
-                  <c:v>5</c:v>
-                </c:pt>
-                <c:pt idx="21">
-                  <c:v>6</c:v>
-                </c:pt>
-                <c:pt idx="22">
-                  <c:v>7</c:v>
-                </c:pt>
-                <c:pt idx="23">
-                  <c:v>8</c:v>
-                </c:pt>
-                <c:pt idx="24">
-                  <c:v>8</c:v>
-                </c:pt>
-                <c:pt idx="25">
-                  <c:v>7</c:v>
-                </c:pt>
-                <c:pt idx="26">
-                  <c:v>6</c:v>
-                </c:pt>
-                <c:pt idx="27">
-                  <c:v>5</c:v>
-                </c:pt>
-                <c:pt idx="28">
-                  <c:v>4</c:v>
-                </c:pt>
-                <c:pt idx="29">
-                  <c:v>3</c:v>
-                </c:pt>
-                <c:pt idx="30">
-                  <c:v>2</c:v>
-                </c:pt>
-                <c:pt idx="31">
-                  <c:v>1</c:v>
-                </c:pt>
-              </c:numCache>
-            </c:numRef>
-          </c:val>
-          <c:smooth val="0"/>
-          <c:extLst>
-            <c:ext xmlns:c16="http://schemas.microsoft.com/office/drawing/2014/chart" uri="{C3380CC4-5D6E-409C-BE32-E72D297353CC}">
-              <c16:uniqueId val="{00000000-D0E1-B440-A0AA-B1EBC7265D29}"/>
-            </c:ext>
-          </c:extLst>
-        </c:ser>
-        <c:ser>
-          <c:idx val="1"/>
-          <c:order val="1"/>
-          <c:val>
-            <c:numRef>
-              <c:f>Sheet1!$B$1:$B$36</c:f>
-            </c:numRef>
-          </c:val>
-          <c:smooth val="0"/>
-          <c:extLst>
-            <c:ext xmlns:c16="http://schemas.microsoft.com/office/drawing/2014/chart" uri="{C3380CC4-5D6E-409C-BE32-E72D297353CC}">
-              <c16:uniqueId val="{00000001-D0E1-B440-A0AA-B1EBC7265D29}"/>
-            </c:ext>
-          </c:extLst>
-        </c:ser>
-        <c:ser>
-          <c:idx val="2"/>
-          <c:order val="2"/>
-          <c:val>
-            <c:numRef>
-              <c:f>Sheet1!$C$1:$C$36</c:f>
-            </c:numRef>
-          </c:val>
-          <c:smooth val="0"/>
-          <c:extLst>
-            <c:ext xmlns:c16="http://schemas.microsoft.com/office/drawing/2014/chart" uri="{C3380CC4-5D6E-409C-BE32-E72D297353CC}">
-              <c16:uniqueId val="{00000002-D0E1-B440-A0AA-B1EBC7265D29}"/>
-            </c:ext>
-          </c:extLst>
-        </c:ser>
-        <c:ser>
-          <c:idx val="3"/>
-          <c:order val="3"/>
-          <c:val>
-            <c:numRef>
-              <c:f>Sheet1!$D$1:$D$36</c:f>
-            </c:numRef>
-          </c:val>
-          <c:smooth val="0"/>
-          <c:extLst>
-            <c:ext xmlns:c16="http://schemas.microsoft.com/office/drawing/2014/chart" uri="{C3380CC4-5D6E-409C-BE32-E72D297353CC}">
-              <c16:uniqueId val="{00000003-D0E1-B440-A0AA-B1EBC7265D29}"/>
-            </c:ext>
-          </c:extLst>
-        </c:ser>
-        <c:ser>
-          <c:idx val="4"/>
-          <c:order val="4"/>
-          <c:marker>
-            <c:symbol val="none"/>
-          </c:marker>
-          <c:val>
-            <c:numRef>
-              <c:f>Sheet1!$E$1:$E$36</c:f>
-              <c:numCache>
-                <c:formatCode>General</c:formatCode>
-                <c:ptCount val="36"/>
-                <c:pt idx="0">
-                  <c:v>1</c:v>
-                </c:pt>
-                <c:pt idx="1">
-                  <c:v>2</c:v>
-                </c:pt>
-                <c:pt idx="2">
-                  <c:v>3</c:v>
-                </c:pt>
-                <c:pt idx="3">
-                  <c:v>3</c:v>
-                </c:pt>
-                <c:pt idx="4">
-                  <c:v>2</c:v>
-                </c:pt>
-                <c:pt idx="5">
-                  <c:v>1</c:v>
-                </c:pt>
-                <c:pt idx="6">
-                  <c:v>1</c:v>
-                </c:pt>
-                <c:pt idx="7">
-                  <c:v>2</c:v>
-                </c:pt>
-                <c:pt idx="8">
-                  <c:v>3</c:v>
-                </c:pt>
-                <c:pt idx="9">
-                  <c:v>3</c:v>
-                </c:pt>
-                <c:pt idx="10">
-                  <c:v>2</c:v>
-                </c:pt>
-                <c:pt idx="11">
-                  <c:v>1</c:v>
-                </c:pt>
-                <c:pt idx="12">
-                  <c:v>1</c:v>
-                </c:pt>
-                <c:pt idx="13">
-                  <c:v>2</c:v>
-                </c:pt>
-                <c:pt idx="14">
-                  <c:v>3</c:v>
-                </c:pt>
-                <c:pt idx="15">
-                  <c:v>3</c:v>
-                </c:pt>
-                <c:pt idx="16">
-                  <c:v>2</c:v>
-                </c:pt>
-                <c:pt idx="17">
-                  <c:v>1</c:v>
-                </c:pt>
-                <c:pt idx="18">
-                  <c:v>1</c:v>
-                </c:pt>
-                <c:pt idx="19">
-                  <c:v>2</c:v>
-                </c:pt>
-                <c:pt idx="20">
-                  <c:v>3</c:v>
-                </c:pt>
-                <c:pt idx="21">
-                  <c:v>3</c:v>
-                </c:pt>
-                <c:pt idx="22">
-                  <c:v>2</c:v>
-                </c:pt>
-                <c:pt idx="23">
-                  <c:v>1</c:v>
-                </c:pt>
-                <c:pt idx="24">
-                  <c:v>1</c:v>
-                </c:pt>
-                <c:pt idx="25">
-                  <c:v>2</c:v>
-                </c:pt>
-                <c:pt idx="26">
-                  <c:v>3</c:v>
-                </c:pt>
-                <c:pt idx="27">
-                  <c:v>3</c:v>
-                </c:pt>
-                <c:pt idx="28">
-                  <c:v>2</c:v>
-                </c:pt>
-                <c:pt idx="29">
-                  <c:v>1</c:v>
-                </c:pt>
-                <c:pt idx="30">
-                  <c:v>1</c:v>
-                </c:pt>
-                <c:pt idx="31">
-                  <c:v>2</c:v>
-                </c:pt>
-                <c:pt idx="32">
-                  <c:v>3</c:v>
-                </c:pt>
-                <c:pt idx="33">
-                  <c:v>3</c:v>
-                </c:pt>
-                <c:pt idx="34">
-                  <c:v>2</c:v>
-                </c:pt>
-                <c:pt idx="35">
-                  <c:v>1</c:v>
-                </c:pt>
-              </c:numCache>
-            </c:numRef>
-          </c:val>
-          <c:smooth val="0"/>
-          <c:extLst>
-            <c:ext xmlns:c16="http://schemas.microsoft.com/office/drawing/2014/chart" uri="{C3380CC4-5D6E-409C-BE32-E72D297353CC}">
-              <c16:uniqueId val="{00000004-D0E1-B440-A0AA-B1EBC7265D29}"/>
-            </c:ext>
-          </c:extLst>
-        </c:ser>
-        <c:ser>
-          <c:idx val="5"/>
-          <c:order val="5"/>
-          <c:marker>
-            <c:symbol val="none"/>
-          </c:marker>
-          <c:val>
-            <c:numRef>
-              <c:f>Sheet1!$F$1:$F$36</c:f>
-              <c:numCache>
-                <c:formatCode>General</c:formatCode>
-                <c:ptCount val="36"/>
-                <c:pt idx="0">
-                  <c:v>2</c:v>
-                </c:pt>
-                <c:pt idx="1">
-                  <c:v>4</c:v>
-                </c:pt>
-                <c:pt idx="2">
-                  <c:v>6</c:v>
-                </c:pt>
-                <c:pt idx="3">
-                  <c:v>7</c:v>
-                </c:pt>
-                <c:pt idx="4">
-                  <c:v>7</c:v>
-                </c:pt>
-                <c:pt idx="5">
-                  <c:v>7</c:v>
-                </c:pt>
-                <c:pt idx="6">
-                  <c:v>8</c:v>
-                </c:pt>
-                <c:pt idx="7">
-                  <c:v>10</c:v>
-                </c:pt>
-                <c:pt idx="8">
-                  <c:v>11</c:v>
-                </c:pt>
-                <c:pt idx="9">
-                  <c:v>10</c:v>
-                </c:pt>
-                <c:pt idx="10">
-                  <c:v>8</c:v>
-                </c:pt>
-                <c:pt idx="11">
-                  <c:v>6</c:v>
-                </c:pt>
-                <c:pt idx="12">
-                  <c:v>5</c:v>
-                </c:pt>
-                <c:pt idx="13">
-                  <c:v>5</c:v>
-                </c:pt>
-                <c:pt idx="14">
-                  <c:v>5</c:v>
-                </c:pt>
-                <c:pt idx="15">
-                  <c:v>4</c:v>
-                </c:pt>
-                <c:pt idx="16">
-                  <c:v>3</c:v>
-                </c:pt>
-                <c:pt idx="17">
-                  <c:v>3</c:v>
-                </c:pt>
-                <c:pt idx="18">
-                  <c:v>4</c:v>
-                </c:pt>
-                <c:pt idx="19">
-                  <c:v>6</c:v>
-                </c:pt>
-                <c:pt idx="20">
-                  <c:v>8</c:v>
-                </c:pt>
-                <c:pt idx="21">
-                  <c:v>9</c:v>
-                </c:pt>
-                <c:pt idx="22">
-                  <c:v>9</c:v>
-                </c:pt>
-                <c:pt idx="23">
-                  <c:v>9</c:v>
-                </c:pt>
-                <c:pt idx="24">
-                  <c:v>9</c:v>
-                </c:pt>
-                <c:pt idx="25">
-                  <c:v>9</c:v>
-                </c:pt>
-                <c:pt idx="26">
-                  <c:v>9</c:v>
-                </c:pt>
-                <c:pt idx="27">
-                  <c:v>8</c:v>
-                </c:pt>
-                <c:pt idx="28">
-                  <c:v>6</c:v>
-                </c:pt>
-                <c:pt idx="29">
-                  <c:v>4</c:v>
-                </c:pt>
-                <c:pt idx="30">
-                  <c:v>3</c:v>
-                </c:pt>
-                <c:pt idx="31">
-                  <c:v>3</c:v>
-                </c:pt>
-                <c:pt idx="32">
-                  <c:v>3</c:v>
-                </c:pt>
-                <c:pt idx="33">
-                  <c:v>3</c:v>
-                </c:pt>
-                <c:pt idx="34">
-                  <c:v>2</c:v>
-                </c:pt>
-                <c:pt idx="35">
-                  <c:v>1</c:v>
-                </c:pt>
-              </c:numCache>
-            </c:numRef>
-          </c:val>
-          <c:smooth val="0"/>
-          <c:extLst>
-            <c:ext xmlns:c16="http://schemas.microsoft.com/office/drawing/2014/chart" uri="{C3380CC4-5D6E-409C-BE32-E72D297353CC}">
-              <c16:uniqueId val="{00000005-D0E1-B440-A0AA-B1EBC7265D29}"/>
-            </c:ext>
-          </c:extLst>
-        </c:ser>
-        <c:dLbls>
-          <c:showLegendKey val="0"/>
-          <c:showVal val="0"/>
-          <c:showCatName val="0"/>
-          <c:showSerName val="0"/>
-          <c:showPercent val="0"/>
-          <c:showBubbleSize val="0"/>
-        </c:dLbls>
-        <c:smooth val="0"/>
-        <c:axId val="505902392"/>
-        <c:axId val="505905560"/>
-      </c:lineChart>
-      <c:catAx>
-        <c:axId val="505902392"/>
-        <c:scaling>
-          <c:orientation val="minMax"/>
-        </c:scaling>
-        <c:delete val="0"/>
-        <c:axPos val="b"/>
-        <c:majorTickMark val="out"/>
-        <c:minorTickMark val="none"/>
-        <c:tickLblPos val="nextTo"/>
-        <c:crossAx val="505905560"/>
-        <c:crosses val="autoZero"/>
-        <c:auto val="1"/>
-        <c:lblAlgn val="ctr"/>
-        <c:lblOffset val="100"/>
-        <c:noMultiLvlLbl val="0"/>
-      </c:catAx>
-      <c:valAx>
-        <c:axId val="505905560"/>
-        <c:scaling>
-          <c:orientation val="minMax"/>
-        </c:scaling>
-        <c:delete val="0"/>
-        <c:axPos val="l"/>
-        <c:majorGridlines/>
-        <c:numFmt formatCode="General" sourceLinked="1"/>
-        <c:majorTickMark val="out"/>
-        <c:minorTickMark val="none"/>
-        <c:tickLblPos val="nextTo"/>
-        <c:crossAx val="505902392"/>
-        <c:crosses val="autoZero"/>
-        <c:crossBetween val="between"/>
-      </c:valAx>
-    </c:plotArea>
-    <c:legend>
-      <c:legendPos val="r"/>
-      <c:overlay val="0"/>
-    </c:legend>
-    <c:plotVisOnly val="1"/>
-    <c:dispBlanksAs val="gap"/>
-    <c:showDLblsOverMax val="0"/>
-  </c:chart>
-  <c:externalData r:id="rId1">
-    <c:autoUpdate val="0"/>
-  </c:externalData>
-  <c:userShapes r:id="rId2"/>
-</c:chartSpace>
-</file>
-
-<file path=ppt/drawings/drawing1.xml><?xml version="1.0" encoding="utf-8"?>
-<c:userShapes xmlns:c="http://schemas.openxmlformats.org/drawingml/2006/chart">
-  <cdr:relSizeAnchor xmlns:cdr="http://schemas.openxmlformats.org/drawingml/2006/chartDrawing">
-    <cdr:from>
-      <cdr:x>0.67224</cdr:x>
-      <cdr:y>0.26008</cdr:y>
-    </cdr:from>
-    <cdr:to>
-      <cdr:x>0.88792</cdr:x>
-      <cdr:y>0.32725</cdr:y>
-    </cdr:to>
-    <cdr:sp macro="" textlink="">
-      <cdr:nvSpPr>
-        <cdr:cNvPr id="2" name="Left Arrow 1"/>
-        <cdr:cNvSpPr/>
-      </cdr:nvSpPr>
-      <cdr:spPr>
-        <a:xfrm xmlns:a="http://schemas.openxmlformats.org/drawingml/2006/main" rot="19657235">
-          <a:off x="5764475" y="1516744"/>
-          <a:ext cx="1849471" cy="391739"/>
-        </a:xfrm>
-        <a:prstGeom xmlns:a="http://schemas.openxmlformats.org/drawingml/2006/main" prst="leftArrow">
-          <a:avLst/>
-        </a:prstGeom>
-      </cdr:spPr>
-      <cdr:style>
-        <a:lnRef xmlns:a="http://schemas.openxmlformats.org/drawingml/2006/main" idx="1">
-          <a:schemeClr val="accent1"/>
-        </a:lnRef>
-        <a:fillRef xmlns:a="http://schemas.openxmlformats.org/drawingml/2006/main" idx="3">
-          <a:schemeClr val="accent1"/>
-        </a:fillRef>
-        <a:effectRef xmlns:a="http://schemas.openxmlformats.org/drawingml/2006/main" idx="2">
-          <a:schemeClr val="accent1"/>
-        </a:effectRef>
-        <a:fontRef xmlns:a="http://schemas.openxmlformats.org/drawingml/2006/main" idx="minor">
-          <a:schemeClr val="lt1"/>
-        </a:fontRef>
-      </cdr:style>
-      <cdr:txBody>
-        <a:bodyPr xmlns:a="http://schemas.openxmlformats.org/drawingml/2006/main"/>
-        <a:lstStyle xmlns:a="http://schemas.openxmlformats.org/drawingml/2006/main"/>
-        <a:p xmlns:a="http://schemas.openxmlformats.org/drawingml/2006/main">
-          <a:endParaRPr lang="en-US"/>
-        </a:p>
-      </cdr:txBody>
-    </cdr:sp>
-  </cdr:relSizeAnchor>
-</c:userShapes>
-</file>
-
 <file path=ppt/handoutMasters/handoutMaster1.xml><?xml version="1.0" encoding="utf-8"?>
 <p:handoutMaster xmlns:a="http://schemas.openxmlformats.org/drawingml/2006/main" xmlns:r="http://schemas.openxmlformats.org/officeDocument/2006/relationships" xmlns:p="http://schemas.openxmlformats.org/presentationml/2006/main">
   <p:cSld>
@@ -1416,7 +243,7 @@
             <a:fld id="{6DE37D56-AB77-CE4B-B078-A8BFFB2FAE95}" type="datetimeFigureOut">
               <a:rPr lang="en-US" smtClean="0"/>
               <a:pPr/>
-              <a:t>10/29/20</a:t>
+              <a:t>11/2/20</a:t>
             </a:fld>
             <a:endParaRPr lang="en-US"/>
           </a:p>
@@ -1584,7 +411,7 @@
             <a:fld id="{FC744734-BC72-CD49-B3A6-8834D3D26B66}" type="datetimeFigureOut">
               <a:rPr lang="en-US" smtClean="0"/>
               <a:pPr/>
-              <a:t>10/29/20</a:t>
+              <a:t>11/2/20</a:t>
             </a:fld>
             <a:endParaRPr lang="en-US"/>
           </a:p>
@@ -4898,350 +3725,6 @@
           <a:p>
             <a:r>
               <a:rPr lang="en-US" dirty="0"/>
-              <a:t>Waves are Additive</a:t>
-            </a:r>
-          </a:p>
-        </p:txBody>
-      </p:sp>
-      <p:sp>
-        <p:nvSpPr>
-          <p:cNvPr id="4" name="Footer Placeholder 3"/>
-          <p:cNvSpPr>
-            <a:spLocks noGrp="1"/>
-          </p:cNvSpPr>
-          <p:nvPr>
-            <p:ph type="ftr" sz="quarter" idx="11"/>
-          </p:nvPr>
-        </p:nvSpPr>
-        <p:spPr/>
-        <p:txBody>
-          <a:bodyPr/>
-          <a:lstStyle/>
-          <a:p>
-            <a:r>
-              <a:rPr lang="en-US"/>
-              <a:t>CSCI 1103 Computer Science 1 Honors</a:t>
-            </a:r>
-          </a:p>
-        </p:txBody>
-      </p:sp>
-      <p:graphicFrame>
-        <p:nvGraphicFramePr>
-          <p:cNvPr id="6" name="Chart 5"/>
-          <p:cNvGraphicFramePr>
-            <a:graphicFrameLocks noGrp="1"/>
-          </p:cNvGraphicFramePr>
-          <p:nvPr/>
-        </p:nvGraphicFramePr>
-        <p:xfrm>
-          <a:off x="216440" y="513080"/>
-          <a:ext cx="8575040" cy="5831840"/>
-        </p:xfrm>
-        <a:graphic>
-          <a:graphicData uri="http://schemas.openxmlformats.org/drawingml/2006/chart">
-            <c:chart xmlns:c="http://schemas.openxmlformats.org/drawingml/2006/chart" xmlns:r="http://schemas.openxmlformats.org/officeDocument/2006/relationships" r:id="rId2"/>
-          </a:graphicData>
-        </a:graphic>
-      </p:graphicFrame>
-      <p:sp>
-        <p:nvSpPr>
-          <p:cNvPr id="7" name="TextBox 6"/>
-          <p:cNvSpPr txBox="1"/>
-          <p:nvPr/>
-        </p:nvSpPr>
-        <p:spPr>
-          <a:xfrm>
-            <a:off x="6327344" y="1094472"/>
-            <a:ext cx="2464136" cy="646331"/>
-          </a:xfrm>
-          <a:prstGeom prst="rect">
-            <a:avLst/>
-          </a:prstGeom>
-          <a:noFill/>
-        </p:spPr>
-        <p:txBody>
-          <a:bodyPr wrap="none" rtlCol="0">
-            <a:spAutoFit/>
-          </a:bodyPr>
-          <a:lstStyle/>
-          <a:p>
-            <a:r>
-              <a:rPr lang="en-US" sz="3600" dirty="0">
-                <a:solidFill>
-                  <a:srgbClr val="0000FF"/>
-                </a:solidFill>
-              </a:rPr>
-              <a:t>Audio signal</a:t>
-            </a:r>
-          </a:p>
-        </p:txBody>
-      </p:sp>
-    </p:spTree>
-  </p:cSld>
-  <p:clrMapOvr>
-    <a:masterClrMapping/>
-  </p:clrMapOvr>
-</p:sld>
-</file>
-
-<file path=ppt/slides/slide11.xml><?xml version="1.0" encoding="utf-8"?>
-<p:sld xmlns:a="http://schemas.openxmlformats.org/drawingml/2006/main" xmlns:r="http://schemas.openxmlformats.org/officeDocument/2006/relationships" xmlns:p="http://schemas.openxmlformats.org/presentationml/2006/main">
-  <p:cSld>
-    <p:spTree>
-      <p:nvGrpSpPr>
-        <p:cNvPr id="1" name=""/>
-        <p:cNvGrpSpPr/>
-        <p:nvPr/>
-      </p:nvGrpSpPr>
-      <p:grpSpPr>
-        <a:xfrm>
-          <a:off x="0" y="0"/>
-          <a:ext cx="0" cy="0"/>
-          <a:chOff x="0" y="0"/>
-          <a:chExt cx="0" cy="0"/>
-        </a:xfrm>
-      </p:grpSpPr>
-      <p:sp>
-        <p:nvSpPr>
-          <p:cNvPr id="2" name="Title 1"/>
-          <p:cNvSpPr>
-            <a:spLocks noGrp="1"/>
-          </p:cNvSpPr>
-          <p:nvPr>
-            <p:ph type="title"/>
-          </p:nvPr>
-        </p:nvSpPr>
-        <p:spPr/>
-        <p:txBody>
-          <a:bodyPr/>
-          <a:lstStyle/>
-          <a:p>
-            <a:r>
-              <a:rPr lang="en-US" dirty="0"/>
-              <a:t>Recording Audio</a:t>
-            </a:r>
-          </a:p>
-        </p:txBody>
-      </p:sp>
-      <p:sp>
-        <p:nvSpPr>
-          <p:cNvPr id="3" name="Content Placeholder 2"/>
-          <p:cNvSpPr>
-            <a:spLocks noGrp="1"/>
-          </p:cNvSpPr>
-          <p:nvPr>
-            <p:ph idx="1"/>
-          </p:nvPr>
-        </p:nvSpPr>
-        <p:spPr/>
-        <p:txBody>
-          <a:bodyPr>
-            <a:normAutofit/>
-          </a:bodyPr>
-          <a:lstStyle/>
-          <a:p>
-            <a:r>
-              <a:rPr lang="en-US" dirty="0"/>
-              <a:t>Audio signal sensed by a transducer and recorded on a physical artifact, i.e., a record</a:t>
-            </a:r>
-          </a:p>
-          <a:p>
-            <a:endParaRPr lang="en-US" dirty="0"/>
-          </a:p>
-          <a:p>
-            <a:r>
-              <a:rPr lang="en-US" dirty="0"/>
-              <a:t>Record has a co-designed “player” that uses the recording to reconstruct the recorded signal and to amplify it so that it can drive a “speaker” which emits the acoustic signal </a:t>
-            </a:r>
-          </a:p>
-          <a:p>
-            <a:pPr>
-              <a:buNone/>
-            </a:pPr>
-            <a:endParaRPr lang="en-US" dirty="0"/>
-          </a:p>
-        </p:txBody>
-      </p:sp>
-      <p:sp>
-        <p:nvSpPr>
-          <p:cNvPr id="4" name="Footer Placeholder 3"/>
-          <p:cNvSpPr>
-            <a:spLocks noGrp="1"/>
-          </p:cNvSpPr>
-          <p:nvPr>
-            <p:ph type="ftr" sz="quarter" idx="11"/>
-          </p:nvPr>
-        </p:nvSpPr>
-        <p:spPr/>
-        <p:txBody>
-          <a:bodyPr/>
-          <a:lstStyle/>
-          <a:p>
-            <a:r>
-              <a:rPr lang="en-US"/>
-              <a:t>CSCI 1103 Computer Science 1 Honors</a:t>
-            </a:r>
-          </a:p>
-        </p:txBody>
-      </p:sp>
-    </p:spTree>
-  </p:cSld>
-  <p:clrMapOvr>
-    <a:masterClrMapping/>
-  </p:clrMapOvr>
-</p:sld>
-</file>
-
-<file path=ppt/slides/slide12.xml><?xml version="1.0" encoding="utf-8"?>
-<p:sld xmlns:a="http://schemas.openxmlformats.org/drawingml/2006/main" xmlns:r="http://schemas.openxmlformats.org/officeDocument/2006/relationships" xmlns:p="http://schemas.openxmlformats.org/presentationml/2006/main">
-  <p:cSld>
-    <p:spTree>
-      <p:nvGrpSpPr>
-        <p:cNvPr id="1" name=""/>
-        <p:cNvGrpSpPr/>
-        <p:nvPr/>
-      </p:nvGrpSpPr>
-      <p:grpSpPr>
-        <a:xfrm>
-          <a:off x="0" y="0"/>
-          <a:ext cx="0" cy="0"/>
-          <a:chOff x="0" y="0"/>
-          <a:chExt cx="0" cy="0"/>
-        </a:xfrm>
-      </p:grpSpPr>
-      <p:sp>
-        <p:nvSpPr>
-          <p:cNvPr id="2" name="Title 1"/>
-          <p:cNvSpPr>
-            <a:spLocks noGrp="1"/>
-          </p:cNvSpPr>
-          <p:nvPr>
-            <p:ph type="title"/>
-          </p:nvPr>
-        </p:nvSpPr>
-        <p:spPr/>
-        <p:txBody>
-          <a:bodyPr/>
-          <a:lstStyle/>
-          <a:p>
-            <a:r>
-              <a:rPr lang="en-US" dirty="0"/>
-              <a:t>Transducers</a:t>
-            </a:r>
-          </a:p>
-        </p:txBody>
-      </p:sp>
-      <p:sp>
-        <p:nvSpPr>
-          <p:cNvPr id="3" name="Content Placeholder 2"/>
-          <p:cNvSpPr>
-            <a:spLocks noGrp="1"/>
-          </p:cNvSpPr>
-          <p:nvPr>
-            <p:ph idx="1"/>
-          </p:nvPr>
-        </p:nvSpPr>
-        <p:spPr>
-          <a:xfrm>
-            <a:off x="766405" y="1766956"/>
-            <a:ext cx="7869582" cy="4589393"/>
-          </a:xfrm>
-        </p:spPr>
-        <p:txBody>
-          <a:bodyPr/>
-          <a:lstStyle/>
-          <a:p>
-            <a:r>
-              <a:rPr lang="en-US" dirty="0"/>
-              <a:t>A transducer is a device that converts one type of energy to another or to a physical attribute.</a:t>
-            </a:r>
-          </a:p>
-          <a:p>
-            <a:endParaRPr lang="en-US" dirty="0"/>
-          </a:p>
-          <a:p>
-            <a:r>
-              <a:rPr lang="en-US" dirty="0"/>
-              <a:t>Examples: Ears, Microphones, Speakers, Voice Boxes, Radios, Televisions, Sonar Devices, ….</a:t>
-            </a:r>
-          </a:p>
-          <a:p>
-            <a:endParaRPr lang="en-US" dirty="0"/>
-          </a:p>
-          <a:p>
-            <a:endParaRPr lang="en-US" dirty="0"/>
-          </a:p>
-        </p:txBody>
-      </p:sp>
-      <p:sp>
-        <p:nvSpPr>
-          <p:cNvPr id="4" name="Footer Placeholder 3"/>
-          <p:cNvSpPr>
-            <a:spLocks noGrp="1"/>
-          </p:cNvSpPr>
-          <p:nvPr>
-            <p:ph type="ftr" sz="quarter" idx="11"/>
-          </p:nvPr>
-        </p:nvSpPr>
-        <p:spPr/>
-        <p:txBody>
-          <a:bodyPr/>
-          <a:lstStyle/>
-          <a:p>
-            <a:r>
-              <a:rPr lang="en-US"/>
-              <a:t>CSCI 1103 Computer Science 1 Honors</a:t>
-            </a:r>
-          </a:p>
-        </p:txBody>
-      </p:sp>
-    </p:spTree>
-    <p:extLst>
-      <p:ext uri="{BB962C8B-B14F-4D97-AF65-F5344CB8AC3E}">
-        <p14:creationId xmlns:p14="http://schemas.microsoft.com/office/powerpoint/2010/main" val="4073706693"/>
-      </p:ext>
-    </p:extLst>
-  </p:cSld>
-  <p:clrMapOvr>
-    <a:masterClrMapping/>
-  </p:clrMapOvr>
-</p:sld>
-</file>
-
-<file path=ppt/slides/slide13.xml><?xml version="1.0" encoding="utf-8"?>
-<p:sld xmlns:a="http://schemas.openxmlformats.org/drawingml/2006/main" xmlns:r="http://schemas.openxmlformats.org/officeDocument/2006/relationships" xmlns:p="http://schemas.openxmlformats.org/presentationml/2006/main">
-  <p:cSld>
-    <p:spTree>
-      <p:nvGrpSpPr>
-        <p:cNvPr id="1" name=""/>
-        <p:cNvGrpSpPr/>
-        <p:nvPr/>
-      </p:nvGrpSpPr>
-      <p:grpSpPr>
-        <a:xfrm>
-          <a:off x="0" y="0"/>
-          <a:ext cx="0" cy="0"/>
-          <a:chOff x="0" y="0"/>
-          <a:chExt cx="0" cy="0"/>
-        </a:xfrm>
-      </p:grpSpPr>
-      <p:sp>
-        <p:nvSpPr>
-          <p:cNvPr id="2" name="Title 1"/>
-          <p:cNvSpPr>
-            <a:spLocks noGrp="1"/>
-          </p:cNvSpPr>
-          <p:nvPr>
-            <p:ph type="title"/>
-          </p:nvPr>
-        </p:nvSpPr>
-        <p:spPr/>
-        <p:txBody>
-          <a:bodyPr/>
-          <a:lstStyle/>
-          <a:p>
-            <a:r>
-              <a:rPr lang="en-US" dirty="0"/>
               <a:t>Transducers : microphones e.g.</a:t>
             </a:r>
           </a:p>
@@ -5306,7 +3789,7 @@
 </p:sld>
 </file>
 
-<file path=ppt/slides/slide14.xml><?xml version="1.0" encoding="utf-8"?>
+<file path=ppt/slides/slide11.xml><?xml version="1.0" encoding="utf-8"?>
 <p:sld xmlns:a="http://schemas.openxmlformats.org/drawingml/2006/main" xmlns:r="http://schemas.openxmlformats.org/officeDocument/2006/relationships" xmlns:p="http://schemas.openxmlformats.org/presentationml/2006/main">
   <p:cSld>
     <p:spTree>
@@ -5430,7 +3913,7 @@
 </p:sld>
 </file>
 
-<file path=ppt/slides/slide15.xml><?xml version="1.0" encoding="utf-8"?>
+<file path=ppt/slides/slide12.xml><?xml version="1.0" encoding="utf-8"?>
 <p:sld xmlns:a="http://schemas.openxmlformats.org/drawingml/2006/main" xmlns:r="http://schemas.openxmlformats.org/officeDocument/2006/relationships" xmlns:p="http://schemas.openxmlformats.org/presentationml/2006/main">
   <p:cSld>
     <p:spTree>
@@ -5528,7 +4011,7 @@
 </p:sld>
 </file>
 
-<file path=ppt/slides/slide16.xml><?xml version="1.0" encoding="utf-8"?>
+<file path=ppt/slides/slide13.xml><?xml version="1.0" encoding="utf-8"?>
 <p:sld xmlns:a="http://schemas.openxmlformats.org/drawingml/2006/main" xmlns:r="http://schemas.openxmlformats.org/officeDocument/2006/relationships" xmlns:p="http://schemas.openxmlformats.org/presentationml/2006/main">
   <p:cSld>
     <p:spTree>
@@ -5649,7 +4132,7 @@
 </p:sld>
 </file>
 
-<file path=ppt/slides/slide17.xml><?xml version="1.0" encoding="utf-8"?>
+<file path=ppt/slides/slide14.xml><?xml version="1.0" encoding="utf-8"?>
 <p:sld xmlns:a="http://schemas.openxmlformats.org/drawingml/2006/main" xmlns:r="http://schemas.openxmlformats.org/officeDocument/2006/relationships" xmlns:p="http://schemas.openxmlformats.org/presentationml/2006/main">
   <p:cSld>
     <p:spTree>
@@ -5767,7 +4250,7 @@
 </p:sld>
 </file>
 
-<file path=ppt/slides/slide18.xml><?xml version="1.0" encoding="utf-8"?>
+<file path=ppt/slides/slide15.xml><?xml version="1.0" encoding="utf-8"?>
 <p:sld xmlns:a="http://schemas.openxmlformats.org/drawingml/2006/main" xmlns:r="http://schemas.openxmlformats.org/officeDocument/2006/relationships" xmlns:p="http://schemas.openxmlformats.org/presentationml/2006/main">
   <p:cSld>
     <p:spTree>
@@ -5855,7 +4338,7 @@
 </p:sld>
 </file>
 
-<file path=ppt/slides/slide19.xml><?xml version="1.0" encoding="utf-8"?>
+<file path=ppt/slides/slide16.xml><?xml version="1.0" encoding="utf-8"?>
 <p:sld xmlns:a="http://schemas.openxmlformats.org/drawingml/2006/main" xmlns:r="http://schemas.openxmlformats.org/officeDocument/2006/relationships" xmlns:p="http://schemas.openxmlformats.org/presentationml/2006/main">
   <p:cSld>
     <p:spTree>
@@ -5943,149 +4426,7 @@
 </p:sld>
 </file>
 
-<file path=ppt/slides/slide2.xml><?xml version="1.0" encoding="utf-8"?>
-<p:sld xmlns:a="http://schemas.openxmlformats.org/drawingml/2006/main" xmlns:r="http://schemas.openxmlformats.org/officeDocument/2006/relationships" xmlns:p="http://schemas.openxmlformats.org/presentationml/2006/main">
-  <p:cSld>
-    <p:spTree>
-      <p:nvGrpSpPr>
-        <p:cNvPr id="1" name=""/>
-        <p:cNvGrpSpPr/>
-        <p:nvPr/>
-      </p:nvGrpSpPr>
-      <p:grpSpPr>
-        <a:xfrm>
-          <a:off x="0" y="0"/>
-          <a:ext cx="0" cy="0"/>
-          <a:chOff x="0" y="0"/>
-          <a:chExt cx="0" cy="0"/>
-        </a:xfrm>
-      </p:grpSpPr>
-      <p:sp>
-        <p:nvSpPr>
-          <p:cNvPr id="2" name="Title 1"/>
-          <p:cNvSpPr>
-            <a:spLocks noGrp="1"/>
-          </p:cNvSpPr>
-          <p:nvPr>
-            <p:ph type="title"/>
-          </p:nvPr>
-        </p:nvSpPr>
-        <p:spPr/>
-        <p:txBody>
-          <a:bodyPr/>
-          <a:lstStyle/>
-          <a:p>
-            <a:r>
-              <a:rPr lang="en-US" dirty="0"/>
-              <a:t>Today</a:t>
-            </a:r>
-          </a:p>
-        </p:txBody>
-      </p:sp>
-      <p:sp>
-        <p:nvSpPr>
-          <p:cNvPr id="3" name="Content Placeholder 2"/>
-          <p:cNvSpPr>
-            <a:spLocks noGrp="1"/>
-          </p:cNvSpPr>
-          <p:nvPr>
-            <p:ph idx="1"/>
-          </p:nvPr>
-        </p:nvSpPr>
-        <p:spPr/>
-        <p:txBody>
-          <a:bodyPr/>
-          <a:lstStyle/>
-          <a:p>
-            <a:r>
-              <a:rPr lang="en-US" dirty="0"/>
-              <a:t>Sound Waves</a:t>
-            </a:r>
-          </a:p>
-          <a:p>
-            <a:r>
-              <a:rPr lang="en-US" dirty="0"/>
-              <a:t>Analog Recording</a:t>
-            </a:r>
-          </a:p>
-          <a:p>
-            <a:r>
-              <a:rPr lang="en-US" dirty="0"/>
-              <a:t>Pulse Code Modulation and Digital Recording</a:t>
-            </a:r>
-          </a:p>
-          <a:p>
-            <a:r>
-              <a:rPr lang="en-US" dirty="0"/>
-              <a:t>Uncompressed Sound Protocols:</a:t>
-            </a:r>
-          </a:p>
-          <a:p>
-            <a:pPr lvl="1"/>
-            <a:r>
-              <a:rPr lang="en-US" dirty="0"/>
-              <a:t>CDs, Wave Files</a:t>
-            </a:r>
-          </a:p>
-          <a:p>
-            <a:pPr lvl="1"/>
-            <a:r>
-              <a:rPr lang="en-US" dirty="0"/>
-              <a:t>Working with Wave Files</a:t>
-            </a:r>
-          </a:p>
-          <a:p>
-            <a:r>
-              <a:rPr lang="en-US" dirty="0"/>
-              <a:t>Sound Protocols with Compression:</a:t>
-            </a:r>
-          </a:p>
-          <a:p>
-            <a:pPr lvl="1"/>
-            <a:r>
-              <a:rPr lang="en-US" dirty="0"/>
-              <a:t>MP3s</a:t>
-            </a:r>
-          </a:p>
-        </p:txBody>
-      </p:sp>
-      <p:sp>
-        <p:nvSpPr>
-          <p:cNvPr id="6" name="Footer Placeholder 5">
-            <a:extLst>
-              <a:ext uri="{FF2B5EF4-FFF2-40B4-BE49-F238E27FC236}">
-                <a16:creationId xmlns:a16="http://schemas.microsoft.com/office/drawing/2014/main" id="{E2DD26B3-DC2D-9240-9DAE-F3437F21E49B}"/>
-              </a:ext>
-            </a:extLst>
-          </p:cNvPr>
-          <p:cNvSpPr>
-            <a:spLocks noGrp="1"/>
-          </p:cNvSpPr>
-          <p:nvPr>
-            <p:ph type="ftr" sz="quarter" idx="11"/>
-          </p:nvPr>
-        </p:nvSpPr>
-        <p:spPr/>
-        <p:txBody>
-          <a:bodyPr/>
-          <a:lstStyle/>
-          <a:p>
-            <a:r>
-              <a:rPr lang="en-US"/>
-              <a:t>CSCI 1103 Computer Science 1 Honors</a:t>
-            </a:r>
-          </a:p>
-        </p:txBody>
-      </p:sp>
-    </p:spTree>
-  </p:cSld>
-  <p:clrMapOvr>
-    <a:masterClrMapping/>
-  </p:clrMapOvr>
-</p:sld>
-</file>
-
-<file path=ppt/slides/slide20.xml><?xml version="1.0" encoding="utf-8"?>
+<file path=ppt/slides/slide17.xml><?xml version="1.0" encoding="utf-8"?>
 <p:sld xmlns:a="http://schemas.openxmlformats.org/drawingml/2006/main" xmlns:r="http://schemas.openxmlformats.org/officeDocument/2006/relationships" xmlns:p="http://schemas.openxmlformats.org/presentationml/2006/main">
   <p:cSld>
     <p:spTree>
@@ -6173,7 +4514,7 @@
 </p:sld>
 </file>
 
-<file path=ppt/slides/slide21.xml><?xml version="1.0" encoding="utf-8"?>
+<file path=ppt/slides/slide18.xml><?xml version="1.0" encoding="utf-8"?>
 <p:sld xmlns:a="http://schemas.openxmlformats.org/drawingml/2006/main" xmlns:r="http://schemas.openxmlformats.org/officeDocument/2006/relationships" xmlns:p="http://schemas.openxmlformats.org/presentationml/2006/main">
   <p:cSld>
     <p:spTree>
@@ -6470,7 +4811,7 @@
 </p:sld>
 </file>
 
-<file path=ppt/slides/slide22.xml><?xml version="1.0" encoding="utf-8"?>
+<file path=ppt/slides/slide19.xml><?xml version="1.0" encoding="utf-8"?>
 <p:sld xmlns:a="http://schemas.openxmlformats.org/drawingml/2006/main" xmlns:r="http://schemas.openxmlformats.org/officeDocument/2006/relationships" xmlns:p="http://schemas.openxmlformats.org/presentationml/2006/main">
   <p:cSld>
     <p:spTree>
@@ -6886,7 +5227,7 @@
 </p:sld>
 </file>
 
-<file path=ppt/slides/slide23.xml><?xml version="1.0" encoding="utf-8"?>
+<file path=ppt/slides/slide2.xml><?xml version="1.0" encoding="utf-8"?>
 <p:sld xmlns:a="http://schemas.openxmlformats.org/drawingml/2006/main" xmlns:r="http://schemas.openxmlformats.org/officeDocument/2006/relationships" xmlns:p="http://schemas.openxmlformats.org/presentationml/2006/main">
   <p:cSld>
     <p:spTree>
@@ -6920,7 +5261,7 @@
           <a:p>
             <a:r>
               <a:rPr lang="en-US" dirty="0"/>
-              <a:t>Well-tempered Scale</a:t>
+              <a:t>Today</a:t>
             </a:r>
           </a:p>
         </p:txBody>
@@ -6937,108 +5278,70 @@
         </p:nvSpPr>
         <p:spPr/>
         <p:txBody>
-          <a:bodyPr>
-            <a:normAutofit fontScale="92500"/>
-          </a:bodyPr>
+          <a:bodyPr/>
           <a:lstStyle/>
           <a:p>
             <a:r>
               <a:rPr lang="en-US" dirty="0"/>
-              <a:t>What frequency is associated with a give note?</a:t>
-            </a:r>
-          </a:p>
-          <a:p>
-            <a:pPr>
-              <a:buNone/>
-            </a:pPr>
-            <a:endParaRPr lang="en-US" dirty="0"/>
+              <a:t>Sound Waves</a:t>
+            </a:r>
           </a:p>
           <a:p>
             <a:r>
               <a:rPr lang="en-US" dirty="0"/>
-              <a:t>Given a frequency f</a:t>
-            </a:r>
-            <a:r>
-              <a:rPr lang="en-US" baseline="-25000" dirty="0"/>
-              <a:t>0</a:t>
-            </a:r>
+              <a:t>Analog Recording</a:t>
+            </a:r>
+          </a:p>
+          <a:p>
             <a:r>
               <a:rPr lang="en-US" dirty="0"/>
-              <a:t> of some fixed note, (typically A4 = 440Hz):</a:t>
-            </a:r>
-          </a:p>
-          <a:p>
-            <a:pPr>
-              <a:buNone/>
-            </a:pPr>
-            <a:endParaRPr lang="en-US" dirty="0"/>
-          </a:p>
-          <a:p>
-            <a:pPr algn="ctr">
-              <a:buNone/>
-            </a:pPr>
+              <a:t>Pulse Code Modulation and Digital Recording</a:t>
+            </a:r>
+          </a:p>
+          <a:p>
             <a:r>
               <a:rPr lang="en-US" dirty="0"/>
-              <a:t>f</a:t>
-            </a:r>
-            <a:r>
-              <a:rPr lang="en-US" baseline="-25000" dirty="0"/>
-              <a:t>n</a:t>
-            </a:r>
+              <a:t>Uncompressed Sound Protocols:</a:t>
+            </a:r>
+          </a:p>
+          <a:p>
+            <a:pPr lvl="1"/>
             <a:r>
               <a:rPr lang="en-US" dirty="0"/>
-              <a:t> = f</a:t>
-            </a:r>
-            <a:r>
-              <a:rPr lang="en-US" baseline="-25000" dirty="0"/>
-              <a:t>0</a:t>
-            </a:r>
+              <a:t>CDs, Wave Files</a:t>
+            </a:r>
+          </a:p>
+          <a:p>
+            <a:pPr lvl="1"/>
             <a:r>
               <a:rPr lang="en-US" dirty="0"/>
-              <a:t> * 2</a:t>
-            </a:r>
-            <a:r>
-              <a:rPr lang="en-US" baseline="30000" dirty="0"/>
-              <a:t>n/12</a:t>
-            </a:r>
-            <a:endParaRPr lang="en-US" dirty="0"/>
-          </a:p>
-          <a:p>
-            <a:pPr algn="ctr">
-              <a:buNone/>
-            </a:pPr>
-            <a:endParaRPr lang="en-US" dirty="0"/>
-          </a:p>
-          <a:p>
-            <a:pPr>
-              <a:buNone/>
-            </a:pPr>
+              <a:t>Working with Wave Files</a:t>
+            </a:r>
+          </a:p>
+          <a:p>
             <a:r>
               <a:rPr lang="en-US" dirty="0"/>
-              <a:t>where </a:t>
-            </a:r>
-            <a:r>
-              <a:rPr lang="en-US" dirty="0" err="1"/>
-              <a:t>n</a:t>
-            </a:r>
+              <a:t>Sound Protocols with Compression:</a:t>
+            </a:r>
+          </a:p>
+          <a:p>
+            <a:pPr lvl="1"/>
             <a:r>
               <a:rPr lang="en-US" dirty="0"/>
-              <a:t> is the number of half-steps from f</a:t>
-            </a:r>
-            <a:r>
-              <a:rPr lang="en-US" baseline="-25000" dirty="0"/>
-              <a:t>0</a:t>
-            </a:r>
-            <a:r>
-              <a:rPr lang="en-US" dirty="0"/>
-              <a:t>.</a:t>
-            </a:r>
-          </a:p>
-        </p:txBody>
-      </p:sp>
-      <p:sp>
-        <p:nvSpPr>
-          <p:cNvPr id="4" name="Footer Placeholder 3"/>
+              <a:t>MP3s</a:t>
+            </a:r>
+          </a:p>
+        </p:txBody>
+      </p:sp>
+      <p:sp>
+        <p:nvSpPr>
+          <p:cNvPr id="6" name="Footer Placeholder 5">
+            <a:extLst>
+              <a:ext uri="{FF2B5EF4-FFF2-40B4-BE49-F238E27FC236}">
+                <a16:creationId xmlns:a16="http://schemas.microsoft.com/office/drawing/2014/main" id="{E2DD26B3-DC2D-9240-9DAE-F3437F21E49B}"/>
+              </a:ext>
+            </a:extLst>
+          </p:cNvPr>
           <p:cNvSpPr>
             <a:spLocks noGrp="1"/>
           </p:cNvSpPr>
@@ -7066,7 +5369,187 @@
 </p:sld>
 </file>
 
-<file path=ppt/slides/slide24.xml><?xml version="1.0" encoding="utf-8"?>
+<file path=ppt/slides/slide20.xml><?xml version="1.0" encoding="utf-8"?>
+<p:sld xmlns:a="http://schemas.openxmlformats.org/drawingml/2006/main" xmlns:r="http://schemas.openxmlformats.org/officeDocument/2006/relationships" xmlns:p="http://schemas.openxmlformats.org/presentationml/2006/main">
+  <p:cSld>
+    <p:spTree>
+      <p:nvGrpSpPr>
+        <p:cNvPr id="1" name=""/>
+        <p:cNvGrpSpPr/>
+        <p:nvPr/>
+      </p:nvGrpSpPr>
+      <p:grpSpPr>
+        <a:xfrm>
+          <a:off x="0" y="0"/>
+          <a:ext cx="0" cy="0"/>
+          <a:chOff x="0" y="0"/>
+          <a:chExt cx="0" cy="0"/>
+        </a:xfrm>
+      </p:grpSpPr>
+      <p:sp>
+        <p:nvSpPr>
+          <p:cNvPr id="2" name="Title 1"/>
+          <p:cNvSpPr>
+            <a:spLocks noGrp="1"/>
+          </p:cNvSpPr>
+          <p:nvPr>
+            <p:ph type="title"/>
+          </p:nvPr>
+        </p:nvSpPr>
+        <p:spPr/>
+        <p:txBody>
+          <a:bodyPr/>
+          <a:lstStyle/>
+          <a:p>
+            <a:r>
+              <a:rPr lang="en-US" dirty="0"/>
+              <a:t>Well-tempered Scale</a:t>
+            </a:r>
+          </a:p>
+        </p:txBody>
+      </p:sp>
+      <p:sp>
+        <p:nvSpPr>
+          <p:cNvPr id="3" name="Content Placeholder 2"/>
+          <p:cNvSpPr>
+            <a:spLocks noGrp="1"/>
+          </p:cNvSpPr>
+          <p:nvPr>
+            <p:ph idx="1"/>
+          </p:nvPr>
+        </p:nvSpPr>
+        <p:spPr/>
+        <p:txBody>
+          <a:bodyPr>
+            <a:normAutofit fontScale="92500"/>
+          </a:bodyPr>
+          <a:lstStyle/>
+          <a:p>
+            <a:r>
+              <a:rPr lang="en-US" dirty="0"/>
+              <a:t>What frequency is associated with a give note?</a:t>
+            </a:r>
+          </a:p>
+          <a:p>
+            <a:pPr>
+              <a:buNone/>
+            </a:pPr>
+            <a:endParaRPr lang="en-US" dirty="0"/>
+          </a:p>
+          <a:p>
+            <a:r>
+              <a:rPr lang="en-US" dirty="0"/>
+              <a:t>Given a frequency f</a:t>
+            </a:r>
+            <a:r>
+              <a:rPr lang="en-US" baseline="-25000" dirty="0"/>
+              <a:t>0</a:t>
+            </a:r>
+            <a:r>
+              <a:rPr lang="en-US" dirty="0"/>
+              <a:t> of some fixed note, (typically A4 = 440Hz):</a:t>
+            </a:r>
+          </a:p>
+          <a:p>
+            <a:pPr>
+              <a:buNone/>
+            </a:pPr>
+            <a:endParaRPr lang="en-US" dirty="0"/>
+          </a:p>
+          <a:p>
+            <a:pPr algn="ctr">
+              <a:buNone/>
+            </a:pPr>
+            <a:r>
+              <a:rPr lang="en-US" dirty="0"/>
+              <a:t>f</a:t>
+            </a:r>
+            <a:r>
+              <a:rPr lang="en-US" baseline="-25000" dirty="0"/>
+              <a:t>n</a:t>
+            </a:r>
+            <a:r>
+              <a:rPr lang="en-US" dirty="0"/>
+              <a:t> = f</a:t>
+            </a:r>
+            <a:r>
+              <a:rPr lang="en-US" baseline="-25000" dirty="0"/>
+              <a:t>0</a:t>
+            </a:r>
+            <a:r>
+              <a:rPr lang="en-US" dirty="0"/>
+              <a:t> * 2</a:t>
+            </a:r>
+            <a:r>
+              <a:rPr lang="en-US" baseline="30000" dirty="0"/>
+              <a:t>n/12</a:t>
+            </a:r>
+            <a:endParaRPr lang="en-US" dirty="0"/>
+          </a:p>
+          <a:p>
+            <a:pPr algn="ctr">
+              <a:buNone/>
+            </a:pPr>
+            <a:endParaRPr lang="en-US" dirty="0"/>
+          </a:p>
+          <a:p>
+            <a:pPr>
+              <a:buNone/>
+            </a:pPr>
+            <a:r>
+              <a:rPr lang="en-US" dirty="0"/>
+              <a:t>where </a:t>
+            </a:r>
+            <a:r>
+              <a:rPr lang="en-US" dirty="0" err="1"/>
+              <a:t>n</a:t>
+            </a:r>
+            <a:r>
+              <a:rPr lang="en-US" dirty="0"/>
+              <a:t> is the number of half-steps from f</a:t>
+            </a:r>
+            <a:r>
+              <a:rPr lang="en-US" baseline="-25000" dirty="0"/>
+              <a:t>0</a:t>
+            </a:r>
+            <a:r>
+              <a:rPr lang="en-US" dirty="0"/>
+              <a:t>.</a:t>
+            </a:r>
+          </a:p>
+        </p:txBody>
+      </p:sp>
+      <p:sp>
+        <p:nvSpPr>
+          <p:cNvPr id="4" name="Footer Placeholder 3"/>
+          <p:cNvSpPr>
+            <a:spLocks noGrp="1"/>
+          </p:cNvSpPr>
+          <p:nvPr>
+            <p:ph type="ftr" sz="quarter" idx="11"/>
+          </p:nvPr>
+        </p:nvSpPr>
+        <p:spPr/>
+        <p:txBody>
+          <a:bodyPr/>
+          <a:lstStyle/>
+          <a:p>
+            <a:r>
+              <a:rPr lang="en-US"/>
+              <a:t>CSCI 1103 Computer Science 1 Honors</a:t>
+            </a:r>
+          </a:p>
+        </p:txBody>
+      </p:sp>
+    </p:spTree>
+  </p:cSld>
+  <p:clrMapOvr>
+    <a:masterClrMapping/>
+  </p:clrMapOvr>
+</p:sld>
+</file>
+
+<file path=ppt/slides/slide21.xml><?xml version="1.0" encoding="utf-8"?>
 <p:sld xmlns:a="http://schemas.openxmlformats.org/drawingml/2006/main" xmlns:r="http://schemas.openxmlformats.org/officeDocument/2006/relationships" xmlns:p="http://schemas.openxmlformats.org/presentationml/2006/main">
   <p:cSld>
     <p:spTree>
@@ -7154,7 +5637,7 @@
 </p:sld>
 </file>
 
-<file path=ppt/slides/slide25.xml><?xml version="1.0" encoding="utf-8"?>
+<file path=ppt/slides/slide22.xml><?xml version="1.0" encoding="utf-8"?>
 <p:sld xmlns:a="http://schemas.openxmlformats.org/drawingml/2006/main" xmlns:r="http://schemas.openxmlformats.org/officeDocument/2006/relationships" xmlns:p="http://schemas.openxmlformats.org/presentationml/2006/main">
   <p:cSld>
     <p:spTree>
@@ -7242,6 +5725,326 @@
 </p:sld>
 </file>
 
+<file path=ppt/slides/slide23.xml><?xml version="1.0" encoding="utf-8"?>
+<p:sld xmlns:a="http://schemas.openxmlformats.org/drawingml/2006/main" xmlns:r="http://schemas.openxmlformats.org/officeDocument/2006/relationships" xmlns:p="http://schemas.openxmlformats.org/presentationml/2006/main">
+  <p:cSld>
+    <p:spTree>
+      <p:nvGrpSpPr>
+        <p:cNvPr id="1" name=""/>
+        <p:cNvGrpSpPr/>
+        <p:nvPr/>
+      </p:nvGrpSpPr>
+      <p:grpSpPr>
+        <a:xfrm>
+          <a:off x="0" y="0"/>
+          <a:ext cx="0" cy="0"/>
+          <a:chOff x="0" y="0"/>
+          <a:chExt cx="0" cy="0"/>
+        </a:xfrm>
+      </p:grpSpPr>
+      <p:sp>
+        <p:nvSpPr>
+          <p:cNvPr id="2" name="Title 1"/>
+          <p:cNvSpPr>
+            <a:spLocks noGrp="1"/>
+          </p:cNvSpPr>
+          <p:nvPr>
+            <p:ph type="title"/>
+          </p:nvPr>
+        </p:nvSpPr>
+        <p:spPr/>
+        <p:txBody>
+          <a:bodyPr>
+            <a:normAutofit fontScale="90000"/>
+          </a:bodyPr>
+          <a:lstStyle/>
+          <a:p>
+            <a:r>
+              <a:rPr lang="en-US" dirty="0" err="1"/>
+              <a:t>Nyquist</a:t>
+            </a:r>
+            <a:r>
+              <a:rPr lang="en-US" dirty="0"/>
+              <a:t>/Shannon Sampling Theorem</a:t>
+            </a:r>
+          </a:p>
+        </p:txBody>
+      </p:sp>
+      <p:sp>
+        <p:nvSpPr>
+          <p:cNvPr id="3" name="Content Placeholder 2"/>
+          <p:cNvSpPr>
+            <a:spLocks noGrp="1"/>
+          </p:cNvSpPr>
+          <p:nvPr>
+            <p:ph idx="1"/>
+          </p:nvPr>
+        </p:nvSpPr>
+        <p:spPr/>
+        <p:txBody>
+          <a:bodyPr/>
+          <a:lstStyle/>
+          <a:p>
+            <a:pPr>
+              <a:buNone/>
+            </a:pPr>
+            <a:r>
+              <a:rPr lang="en-US" dirty="0"/>
+              <a:t>If a signal contains no frequencies higher than W cycles per second, it is completely determined by giving its ordinates at a series of points spaced 1/(2W) seconds apart</a:t>
+            </a:r>
+            <a:r>
+              <a:rPr lang="en-US" b="1" dirty="0"/>
+              <a:t>.</a:t>
+            </a:r>
+            <a:endParaRPr lang="en-US" dirty="0"/>
+          </a:p>
+        </p:txBody>
+      </p:sp>
+      <p:sp>
+        <p:nvSpPr>
+          <p:cNvPr id="4" name="Footer Placeholder 3"/>
+          <p:cNvSpPr>
+            <a:spLocks noGrp="1"/>
+          </p:cNvSpPr>
+          <p:nvPr>
+            <p:ph type="ftr" sz="quarter" idx="11"/>
+          </p:nvPr>
+        </p:nvSpPr>
+        <p:spPr/>
+        <p:txBody>
+          <a:bodyPr/>
+          <a:lstStyle/>
+          <a:p>
+            <a:r>
+              <a:rPr lang="en-US"/>
+              <a:t>CSCI 1103 Computer Science 1 Honors</a:t>
+            </a:r>
+          </a:p>
+        </p:txBody>
+      </p:sp>
+    </p:spTree>
+  </p:cSld>
+  <p:clrMapOvr>
+    <a:masterClrMapping/>
+  </p:clrMapOvr>
+</p:sld>
+</file>
+
+<file path=ppt/slides/slide24.xml><?xml version="1.0" encoding="utf-8"?>
+<p:sld xmlns:a="http://schemas.openxmlformats.org/drawingml/2006/main" xmlns:r="http://schemas.openxmlformats.org/officeDocument/2006/relationships" xmlns:p="http://schemas.openxmlformats.org/presentationml/2006/main">
+  <p:cSld>
+    <p:spTree>
+      <p:nvGrpSpPr>
+        <p:cNvPr id="1" name=""/>
+        <p:cNvGrpSpPr/>
+        <p:nvPr/>
+      </p:nvGrpSpPr>
+      <p:grpSpPr>
+        <a:xfrm>
+          <a:off x="0" y="0"/>
+          <a:ext cx="0" cy="0"/>
+          <a:chOff x="0" y="0"/>
+          <a:chExt cx="0" cy="0"/>
+        </a:xfrm>
+      </p:grpSpPr>
+      <p:sp>
+        <p:nvSpPr>
+          <p:cNvPr id="2" name="Title 1"/>
+          <p:cNvSpPr>
+            <a:spLocks noGrp="1"/>
+          </p:cNvSpPr>
+          <p:nvPr>
+            <p:ph type="title"/>
+          </p:nvPr>
+        </p:nvSpPr>
+        <p:spPr/>
+        <p:txBody>
+          <a:bodyPr/>
+          <a:lstStyle/>
+          <a:p>
+            <a:r>
+              <a:rPr lang="en-US" dirty="0"/>
+              <a:t>Psychoacoustic Factors</a:t>
+            </a:r>
+          </a:p>
+        </p:txBody>
+      </p:sp>
+      <p:sp>
+        <p:nvSpPr>
+          <p:cNvPr id="3" name="Content Placeholder 2"/>
+          <p:cNvSpPr>
+            <a:spLocks noGrp="1"/>
+          </p:cNvSpPr>
+          <p:nvPr>
+            <p:ph idx="1"/>
+          </p:nvPr>
+        </p:nvSpPr>
+        <p:spPr/>
+        <p:txBody>
+          <a:bodyPr/>
+          <a:lstStyle/>
+          <a:p>
+            <a:r>
+              <a:rPr lang="en-US" dirty="0"/>
+              <a:t>Since most humans top-out at 22KHz, recordings that sample at 44KHz should capture everything that humans can hear.</a:t>
+            </a:r>
+          </a:p>
+          <a:p>
+            <a:endParaRPr lang="en-US" dirty="0"/>
+          </a:p>
+          <a:p>
+            <a:r>
+              <a:rPr lang="en-US" dirty="0"/>
+              <a:t>Most experts believe that humans can only resolve between 16 and 18 bits per sample.</a:t>
+            </a:r>
+          </a:p>
+          <a:p>
+            <a:endParaRPr lang="en-US" dirty="0"/>
+          </a:p>
+          <a:p>
+            <a:endParaRPr lang="en-US" dirty="0"/>
+          </a:p>
+        </p:txBody>
+      </p:sp>
+      <p:sp>
+        <p:nvSpPr>
+          <p:cNvPr id="4" name="Footer Placeholder 3"/>
+          <p:cNvSpPr>
+            <a:spLocks noGrp="1"/>
+          </p:cNvSpPr>
+          <p:nvPr>
+            <p:ph type="ftr" sz="quarter" idx="11"/>
+          </p:nvPr>
+        </p:nvSpPr>
+        <p:spPr/>
+        <p:txBody>
+          <a:bodyPr/>
+          <a:lstStyle/>
+          <a:p>
+            <a:r>
+              <a:rPr lang="en-US"/>
+              <a:t>CSCI 1103 Computer Science 1 Honors</a:t>
+            </a:r>
+          </a:p>
+        </p:txBody>
+      </p:sp>
+    </p:spTree>
+  </p:cSld>
+  <p:clrMapOvr>
+    <a:masterClrMapping/>
+  </p:clrMapOvr>
+</p:sld>
+</file>
+
+<file path=ppt/slides/slide25.xml><?xml version="1.0" encoding="utf-8"?>
+<p:sld xmlns:a="http://schemas.openxmlformats.org/drawingml/2006/main" xmlns:r="http://schemas.openxmlformats.org/officeDocument/2006/relationships" xmlns:p="http://schemas.openxmlformats.org/presentationml/2006/main">
+  <p:cSld>
+    <p:spTree>
+      <p:nvGrpSpPr>
+        <p:cNvPr id="1" name=""/>
+        <p:cNvGrpSpPr/>
+        <p:nvPr/>
+      </p:nvGrpSpPr>
+      <p:grpSpPr>
+        <a:xfrm>
+          <a:off x="0" y="0"/>
+          <a:ext cx="0" cy="0"/>
+          <a:chOff x="0" y="0"/>
+          <a:chExt cx="0" cy="0"/>
+        </a:xfrm>
+      </p:grpSpPr>
+      <p:sp>
+        <p:nvSpPr>
+          <p:cNvPr id="2" name="Title 1"/>
+          <p:cNvSpPr>
+            <a:spLocks noGrp="1"/>
+          </p:cNvSpPr>
+          <p:nvPr>
+            <p:ph type="title"/>
+          </p:nvPr>
+        </p:nvSpPr>
+        <p:spPr/>
+        <p:txBody>
+          <a:bodyPr/>
+          <a:lstStyle/>
+          <a:p>
+            <a:r>
+              <a:rPr lang="en-US" dirty="0"/>
+              <a:t>Digital Audio</a:t>
+            </a:r>
+          </a:p>
+        </p:txBody>
+      </p:sp>
+      <p:sp>
+        <p:nvSpPr>
+          <p:cNvPr id="3" name="Content Placeholder 2"/>
+          <p:cNvSpPr>
+            <a:spLocks noGrp="1"/>
+          </p:cNvSpPr>
+          <p:nvPr>
+            <p:ph idx="1"/>
+          </p:nvPr>
+        </p:nvSpPr>
+        <p:spPr/>
+        <p:txBody>
+          <a:bodyPr/>
+          <a:lstStyle/>
+          <a:p>
+            <a:r>
+              <a:rPr lang="en-US" dirty="0"/>
+              <a:t>Various representation protocols, some proprietary, some public</a:t>
+            </a:r>
+          </a:p>
+          <a:p>
+            <a:endParaRPr lang="en-US" dirty="0"/>
+          </a:p>
+          <a:p>
+            <a:r>
+              <a:rPr lang="en-US" dirty="0"/>
+              <a:t>representation protocols and format information packed into “headers”</a:t>
+            </a:r>
+          </a:p>
+          <a:p>
+            <a:endParaRPr lang="en-US" dirty="0"/>
+          </a:p>
+          <a:p>
+            <a:r>
+              <a:rPr lang="en-US" dirty="0"/>
+              <a:t>software parses the header to “understand” the layout of the data</a:t>
+            </a:r>
+          </a:p>
+        </p:txBody>
+      </p:sp>
+      <p:sp>
+        <p:nvSpPr>
+          <p:cNvPr id="4" name="Footer Placeholder 3"/>
+          <p:cNvSpPr>
+            <a:spLocks noGrp="1"/>
+          </p:cNvSpPr>
+          <p:nvPr>
+            <p:ph type="ftr" sz="quarter" idx="11"/>
+          </p:nvPr>
+        </p:nvSpPr>
+        <p:spPr/>
+        <p:txBody>
+          <a:bodyPr/>
+          <a:lstStyle/>
+          <a:p>
+            <a:r>
+              <a:rPr lang="en-US"/>
+              <a:t>CSCI 1103 Computer Science 1 Honors</a:t>
+            </a:r>
+          </a:p>
+        </p:txBody>
+      </p:sp>
+    </p:spTree>
+  </p:cSld>
+  <p:clrMapOvr>
+    <a:masterClrMapping/>
+  </p:clrMapOvr>
+</p:sld>
+</file>
+
 <file path=ppt/slides/slide26.xml><?xml version="1.0" encoding="utf-8"?>
 <p:sld xmlns:a="http://schemas.openxmlformats.org/drawingml/2006/main" xmlns:r="http://schemas.openxmlformats.org/officeDocument/2006/relationships" xmlns:p="http://schemas.openxmlformats.org/presentationml/2006/main">
   <p:cSld>
@@ -7271,18 +6074,12 @@
         </p:nvSpPr>
         <p:spPr/>
         <p:txBody>
-          <a:bodyPr>
-            <a:normAutofit fontScale="90000"/>
-          </a:bodyPr>
-          <a:lstStyle/>
-          <a:p>
-            <a:r>
-              <a:rPr lang="en-US" dirty="0" err="1"/>
-              <a:t>Nyquist</a:t>
-            </a:r>
+          <a:bodyPr/>
+          <a:lstStyle/>
+          <a:p>
             <a:r>
               <a:rPr lang="en-US" dirty="0"/>
-              <a:t>/Shannon Sampling Theorem</a:t>
+              <a:t>Digital Audio</a:t>
             </a:r>
           </a:p>
         </p:txBody>
@@ -7302,18 +6099,39 @@
           <a:bodyPr/>
           <a:lstStyle/>
           <a:p>
-            <a:pPr>
-              <a:buNone/>
-            </a:pPr>
             <a:r>
               <a:rPr lang="en-US" dirty="0"/>
-              <a:t>If a signal contains no frequencies higher than W cycles per second, it is completely determined by giving its ordinates at a series of points spaced 1/(2W) seconds apart</a:t>
-            </a:r>
-            <a:r>
-              <a:rPr lang="en-US" b="1" dirty="0"/>
-              <a:t>.</a:t>
-            </a:r>
+              <a:t>Bit-stream may or may not:</a:t>
+            </a:r>
+          </a:p>
+          <a:p>
+            <a:pPr lvl="1"/>
+            <a:r>
+              <a:rPr lang="en-US" dirty="0"/>
+              <a:t>be packaged-up with error detection/correction information</a:t>
+            </a:r>
+          </a:p>
+          <a:p>
+            <a:pPr lvl="1"/>
             <a:endParaRPr lang="en-US" dirty="0"/>
+          </a:p>
+          <a:p>
+            <a:pPr lvl="1"/>
+            <a:r>
+              <a:rPr lang="en-US" dirty="0"/>
+              <a:t>be compressed</a:t>
+            </a:r>
+          </a:p>
+          <a:p>
+            <a:pPr lvl="1"/>
+            <a:endParaRPr lang="en-US" dirty="0"/>
+          </a:p>
+          <a:p>
+            <a:pPr lvl="1"/>
+            <a:r>
+              <a:rPr lang="en-US" dirty="0"/>
+              <a:t>be encrypted (e.g., Digital Rights Management DRM). More on these topics later</a:t>
+            </a:r>
           </a:p>
         </p:txBody>
       </p:sp>
@@ -7381,7 +6199,7 @@
           <a:p>
             <a:r>
               <a:rPr lang="en-US" dirty="0"/>
-              <a:t>Psychoacoustic Factors</a:t>
+              <a:t>Uncompressed Digital Audio</a:t>
             </a:r>
           </a:p>
         </p:txBody>
@@ -7396,14 +6214,19 @@
             <p:ph idx="1"/>
           </p:nvPr>
         </p:nvSpPr>
-        <p:spPr/>
+        <p:spPr>
+          <a:xfrm>
+            <a:off x="2639398" y="1830387"/>
+            <a:ext cx="4766365" cy="4525963"/>
+          </a:xfrm>
+        </p:spPr>
         <p:txBody>
           <a:bodyPr/>
           <a:lstStyle/>
           <a:p>
             <a:r>
               <a:rPr lang="en-US" dirty="0"/>
-              <a:t>Since most humans top-out at 22KHz, recordings that sample at 44KHz should capture everything that humans can hear.</a:t>
+              <a:t>Sony Compact Discs</a:t>
             </a:r>
           </a:p>
           <a:p>
@@ -7412,14 +6235,8 @@
           <a:p>
             <a:r>
               <a:rPr lang="en-US" dirty="0"/>
-              <a:t>Most experts believe that humans can only resolve between 16 and 18 bits per sample.</a:t>
-            </a:r>
-          </a:p>
-          <a:p>
-            <a:endParaRPr lang="en-US" dirty="0"/>
-          </a:p>
-          <a:p>
-            <a:endParaRPr lang="en-US" dirty="0"/>
+              <a:t>Microsoft WAV Files</a:t>
+            </a:r>
           </a:p>
         </p:txBody>
       </p:sp>
@@ -7487,7 +6304,7 @@
           <a:p>
             <a:r>
               <a:rPr lang="en-US" dirty="0"/>
-              <a:t>Digital Audio</a:t>
+              <a:t>WAV Protocol</a:t>
             </a:r>
           </a:p>
         </p:txBody>
@@ -7509,25 +6326,13 @@
           <a:p>
             <a:r>
               <a:rPr lang="en-US" dirty="0"/>
-              <a:t>Various representation protocols, some proprietary, some public</a:t>
-            </a:r>
-          </a:p>
-          <a:p>
-            <a:endParaRPr lang="en-US" dirty="0"/>
+              <a:t>Microsoft WAV protocol : uncompressed PCM</a:t>
+            </a:r>
           </a:p>
           <a:p>
             <a:r>
               <a:rPr lang="en-US" dirty="0"/>
-              <a:t>representation protocols and format information packed into “headers”</a:t>
-            </a:r>
-          </a:p>
-          <a:p>
-            <a:endParaRPr lang="en-US" dirty="0"/>
-          </a:p>
-          <a:p>
-            <a:r>
-              <a:rPr lang="en-US" dirty="0"/>
-              <a:t>software parses the header to “understand” the layout of the data</a:t>
+              <a:t>3 Chunks:</a:t>
             </a:r>
           </a:p>
         </p:txBody>
@@ -7554,6 +6359,30 @@
           </a:p>
         </p:txBody>
       </p:sp>
+      <p:pic>
+        <p:nvPicPr>
+          <p:cNvPr id="6" name="Picture 5"/>
+          <p:cNvPicPr>
+            <a:picLocks noChangeAspect="1"/>
+          </p:cNvPicPr>
+          <p:nvPr/>
+        </p:nvPicPr>
+        <p:blipFill>
+          <a:blip r:embed="rId2"/>
+          <a:stretch>
+            <a:fillRect/>
+          </a:stretch>
+        </p:blipFill>
+        <p:spPr>
+          <a:xfrm>
+            <a:off x="1162050" y="3223106"/>
+            <a:ext cx="6819900" cy="2540000"/>
+          </a:xfrm>
+          <a:prstGeom prst="rect">
+            <a:avLst/>
+          </a:prstGeom>
+        </p:spPr>
+      </p:pic>
     </p:spTree>
   </p:cSld>
   <p:clrMapOvr>
@@ -7596,58 +6425,7 @@
           <a:p>
             <a:r>
               <a:rPr lang="en-US" dirty="0"/>
-              <a:t>Digital Audio</a:t>
-            </a:r>
-          </a:p>
-        </p:txBody>
-      </p:sp>
-      <p:sp>
-        <p:nvSpPr>
-          <p:cNvPr id="3" name="Content Placeholder 2"/>
-          <p:cNvSpPr>
-            <a:spLocks noGrp="1"/>
-          </p:cNvSpPr>
-          <p:nvPr>
-            <p:ph idx="1"/>
-          </p:nvPr>
-        </p:nvSpPr>
-        <p:spPr/>
-        <p:txBody>
-          <a:bodyPr/>
-          <a:lstStyle/>
-          <a:p>
-            <a:r>
-              <a:rPr lang="en-US" dirty="0"/>
-              <a:t>Bit-stream may or may not:</a:t>
-            </a:r>
-          </a:p>
-          <a:p>
-            <a:pPr lvl="1"/>
-            <a:r>
-              <a:rPr lang="en-US" dirty="0"/>
-              <a:t>be packaged-up with error detection/correction information</a:t>
-            </a:r>
-          </a:p>
-          <a:p>
-            <a:pPr lvl="1"/>
-            <a:endParaRPr lang="en-US" dirty="0"/>
-          </a:p>
-          <a:p>
-            <a:pPr lvl="1"/>
-            <a:r>
-              <a:rPr lang="en-US" dirty="0"/>
-              <a:t>be compressed</a:t>
-            </a:r>
-          </a:p>
-          <a:p>
-            <a:pPr lvl="1"/>
-            <a:endParaRPr lang="en-US" dirty="0"/>
-          </a:p>
-          <a:p>
-            <a:pPr lvl="1"/>
-            <a:r>
-              <a:rPr lang="en-US" dirty="0"/>
-              <a:t>be encrypted (e.g., Digital Rights Management DRM). More on these topics later</a:t>
+              <a:t>WAV Format Chunk</a:t>
             </a:r>
           </a:p>
         </p:txBody>
@@ -7674,6 +6452,30 @@
           </a:p>
         </p:txBody>
       </p:sp>
+      <p:pic>
+        <p:nvPicPr>
+          <p:cNvPr id="6" name="Picture 5"/>
+          <p:cNvPicPr>
+            <a:picLocks noChangeAspect="1"/>
+          </p:cNvPicPr>
+          <p:nvPr/>
+        </p:nvPicPr>
+        <p:blipFill>
+          <a:blip r:embed="rId2"/>
+          <a:stretch>
+            <a:fillRect/>
+          </a:stretch>
+        </p:blipFill>
+        <p:spPr>
+          <a:xfrm>
+            <a:off x="1238250" y="1467330"/>
+            <a:ext cx="6667500" cy="4838700"/>
+          </a:xfrm>
+          <a:prstGeom prst="rect">
+            <a:avLst/>
+          </a:prstGeom>
+        </p:spPr>
+      </p:pic>
     </p:spTree>
   </p:cSld>
   <p:clrMapOvr>
@@ -7816,325 +6618,6 @@
           <a:p>
             <a:r>
               <a:rPr lang="en-US" dirty="0"/>
-              <a:t>Uncompressed Digital Audio</a:t>
-            </a:r>
-          </a:p>
-        </p:txBody>
-      </p:sp>
-      <p:sp>
-        <p:nvSpPr>
-          <p:cNvPr id="3" name="Content Placeholder 2"/>
-          <p:cNvSpPr>
-            <a:spLocks noGrp="1"/>
-          </p:cNvSpPr>
-          <p:nvPr>
-            <p:ph idx="1"/>
-          </p:nvPr>
-        </p:nvSpPr>
-        <p:spPr>
-          <a:xfrm>
-            <a:off x="2639398" y="1830387"/>
-            <a:ext cx="4766365" cy="4525963"/>
-          </a:xfrm>
-        </p:spPr>
-        <p:txBody>
-          <a:bodyPr/>
-          <a:lstStyle/>
-          <a:p>
-            <a:r>
-              <a:rPr lang="en-US" dirty="0"/>
-              <a:t>Sony Compact Discs</a:t>
-            </a:r>
-          </a:p>
-          <a:p>
-            <a:endParaRPr lang="en-US" dirty="0"/>
-          </a:p>
-          <a:p>
-            <a:r>
-              <a:rPr lang="en-US" dirty="0"/>
-              <a:t>Microsoft WAV Files</a:t>
-            </a:r>
-          </a:p>
-        </p:txBody>
-      </p:sp>
-      <p:sp>
-        <p:nvSpPr>
-          <p:cNvPr id="4" name="Footer Placeholder 3"/>
-          <p:cNvSpPr>
-            <a:spLocks noGrp="1"/>
-          </p:cNvSpPr>
-          <p:nvPr>
-            <p:ph type="ftr" sz="quarter" idx="11"/>
-          </p:nvPr>
-        </p:nvSpPr>
-        <p:spPr/>
-        <p:txBody>
-          <a:bodyPr/>
-          <a:lstStyle/>
-          <a:p>
-            <a:r>
-              <a:rPr lang="en-US"/>
-              <a:t>CSCI 1103 Computer Science 1 Honors</a:t>
-            </a:r>
-          </a:p>
-        </p:txBody>
-      </p:sp>
-    </p:spTree>
-  </p:cSld>
-  <p:clrMapOvr>
-    <a:masterClrMapping/>
-  </p:clrMapOvr>
-</p:sld>
-</file>
-
-<file path=ppt/slides/slide31.xml><?xml version="1.0" encoding="utf-8"?>
-<p:sld xmlns:a="http://schemas.openxmlformats.org/drawingml/2006/main" xmlns:r="http://schemas.openxmlformats.org/officeDocument/2006/relationships" xmlns:p="http://schemas.openxmlformats.org/presentationml/2006/main">
-  <p:cSld>
-    <p:spTree>
-      <p:nvGrpSpPr>
-        <p:cNvPr id="1" name=""/>
-        <p:cNvGrpSpPr/>
-        <p:nvPr/>
-      </p:nvGrpSpPr>
-      <p:grpSpPr>
-        <a:xfrm>
-          <a:off x="0" y="0"/>
-          <a:ext cx="0" cy="0"/>
-          <a:chOff x="0" y="0"/>
-          <a:chExt cx="0" cy="0"/>
-        </a:xfrm>
-      </p:grpSpPr>
-      <p:sp>
-        <p:nvSpPr>
-          <p:cNvPr id="2" name="Title 1"/>
-          <p:cNvSpPr>
-            <a:spLocks noGrp="1"/>
-          </p:cNvSpPr>
-          <p:nvPr>
-            <p:ph type="title"/>
-          </p:nvPr>
-        </p:nvSpPr>
-        <p:spPr/>
-        <p:txBody>
-          <a:bodyPr/>
-          <a:lstStyle/>
-          <a:p>
-            <a:r>
-              <a:rPr lang="en-US" dirty="0"/>
-              <a:t>WAV Protocol</a:t>
-            </a:r>
-          </a:p>
-        </p:txBody>
-      </p:sp>
-      <p:sp>
-        <p:nvSpPr>
-          <p:cNvPr id="3" name="Content Placeholder 2"/>
-          <p:cNvSpPr>
-            <a:spLocks noGrp="1"/>
-          </p:cNvSpPr>
-          <p:nvPr>
-            <p:ph idx="1"/>
-          </p:nvPr>
-        </p:nvSpPr>
-        <p:spPr/>
-        <p:txBody>
-          <a:bodyPr/>
-          <a:lstStyle/>
-          <a:p>
-            <a:r>
-              <a:rPr lang="en-US" dirty="0"/>
-              <a:t>Microsoft WAV protocol : uncompressed PCM</a:t>
-            </a:r>
-          </a:p>
-          <a:p>
-            <a:r>
-              <a:rPr lang="en-US" dirty="0"/>
-              <a:t>3 Chunks:</a:t>
-            </a:r>
-          </a:p>
-        </p:txBody>
-      </p:sp>
-      <p:sp>
-        <p:nvSpPr>
-          <p:cNvPr id="4" name="Footer Placeholder 3"/>
-          <p:cNvSpPr>
-            <a:spLocks noGrp="1"/>
-          </p:cNvSpPr>
-          <p:nvPr>
-            <p:ph type="ftr" sz="quarter" idx="11"/>
-          </p:nvPr>
-        </p:nvSpPr>
-        <p:spPr/>
-        <p:txBody>
-          <a:bodyPr/>
-          <a:lstStyle/>
-          <a:p>
-            <a:r>
-              <a:rPr lang="en-US"/>
-              <a:t>CSCI 1103 Computer Science 1 Honors</a:t>
-            </a:r>
-          </a:p>
-        </p:txBody>
-      </p:sp>
-      <p:pic>
-        <p:nvPicPr>
-          <p:cNvPr id="6" name="Picture 5"/>
-          <p:cNvPicPr>
-            <a:picLocks noChangeAspect="1"/>
-          </p:cNvPicPr>
-          <p:nvPr/>
-        </p:nvPicPr>
-        <p:blipFill>
-          <a:blip r:embed="rId2"/>
-          <a:stretch>
-            <a:fillRect/>
-          </a:stretch>
-        </p:blipFill>
-        <p:spPr>
-          <a:xfrm>
-            <a:off x="1162050" y="3223106"/>
-            <a:ext cx="6819900" cy="2540000"/>
-          </a:xfrm>
-          <a:prstGeom prst="rect">
-            <a:avLst/>
-          </a:prstGeom>
-        </p:spPr>
-      </p:pic>
-    </p:spTree>
-  </p:cSld>
-  <p:clrMapOvr>
-    <a:masterClrMapping/>
-  </p:clrMapOvr>
-</p:sld>
-</file>
-
-<file path=ppt/slides/slide32.xml><?xml version="1.0" encoding="utf-8"?>
-<p:sld xmlns:a="http://schemas.openxmlformats.org/drawingml/2006/main" xmlns:r="http://schemas.openxmlformats.org/officeDocument/2006/relationships" xmlns:p="http://schemas.openxmlformats.org/presentationml/2006/main">
-  <p:cSld>
-    <p:spTree>
-      <p:nvGrpSpPr>
-        <p:cNvPr id="1" name=""/>
-        <p:cNvGrpSpPr/>
-        <p:nvPr/>
-      </p:nvGrpSpPr>
-      <p:grpSpPr>
-        <a:xfrm>
-          <a:off x="0" y="0"/>
-          <a:ext cx="0" cy="0"/>
-          <a:chOff x="0" y="0"/>
-          <a:chExt cx="0" cy="0"/>
-        </a:xfrm>
-      </p:grpSpPr>
-      <p:sp>
-        <p:nvSpPr>
-          <p:cNvPr id="2" name="Title 1"/>
-          <p:cNvSpPr>
-            <a:spLocks noGrp="1"/>
-          </p:cNvSpPr>
-          <p:nvPr>
-            <p:ph type="title"/>
-          </p:nvPr>
-        </p:nvSpPr>
-        <p:spPr/>
-        <p:txBody>
-          <a:bodyPr/>
-          <a:lstStyle/>
-          <a:p>
-            <a:r>
-              <a:rPr lang="en-US" dirty="0"/>
-              <a:t>WAV Format Chunk</a:t>
-            </a:r>
-          </a:p>
-        </p:txBody>
-      </p:sp>
-      <p:sp>
-        <p:nvSpPr>
-          <p:cNvPr id="4" name="Footer Placeholder 3"/>
-          <p:cNvSpPr>
-            <a:spLocks noGrp="1"/>
-          </p:cNvSpPr>
-          <p:nvPr>
-            <p:ph type="ftr" sz="quarter" idx="11"/>
-          </p:nvPr>
-        </p:nvSpPr>
-        <p:spPr/>
-        <p:txBody>
-          <a:bodyPr/>
-          <a:lstStyle/>
-          <a:p>
-            <a:r>
-              <a:rPr lang="en-US"/>
-              <a:t>CSCI 1103 Computer Science 1 Honors</a:t>
-            </a:r>
-          </a:p>
-        </p:txBody>
-      </p:sp>
-      <p:pic>
-        <p:nvPicPr>
-          <p:cNvPr id="6" name="Picture 5"/>
-          <p:cNvPicPr>
-            <a:picLocks noChangeAspect="1"/>
-          </p:cNvPicPr>
-          <p:nvPr/>
-        </p:nvPicPr>
-        <p:blipFill>
-          <a:blip r:embed="rId2"/>
-          <a:stretch>
-            <a:fillRect/>
-          </a:stretch>
-        </p:blipFill>
-        <p:spPr>
-          <a:xfrm>
-            <a:off x="1238250" y="1467330"/>
-            <a:ext cx="6667500" cy="4838700"/>
-          </a:xfrm>
-          <a:prstGeom prst="rect">
-            <a:avLst/>
-          </a:prstGeom>
-        </p:spPr>
-      </p:pic>
-    </p:spTree>
-  </p:cSld>
-  <p:clrMapOvr>
-    <a:masterClrMapping/>
-  </p:clrMapOvr>
-</p:sld>
-</file>
-
-<file path=ppt/slides/slide33.xml><?xml version="1.0" encoding="utf-8"?>
-<p:sld xmlns:a="http://schemas.openxmlformats.org/drawingml/2006/main" xmlns:r="http://schemas.openxmlformats.org/officeDocument/2006/relationships" xmlns:p="http://schemas.openxmlformats.org/presentationml/2006/main">
-  <p:cSld>
-    <p:spTree>
-      <p:nvGrpSpPr>
-        <p:cNvPr id="1" name=""/>
-        <p:cNvGrpSpPr/>
-        <p:nvPr/>
-      </p:nvGrpSpPr>
-      <p:grpSpPr>
-        <a:xfrm>
-          <a:off x="0" y="0"/>
-          <a:ext cx="0" cy="0"/>
-          <a:chOff x="0" y="0"/>
-          <a:chExt cx="0" cy="0"/>
-        </a:xfrm>
-      </p:grpSpPr>
-      <p:sp>
-        <p:nvSpPr>
-          <p:cNvPr id="2" name="Title 1"/>
-          <p:cNvSpPr>
-            <a:spLocks noGrp="1"/>
-          </p:cNvSpPr>
-          <p:nvPr>
-            <p:ph type="title"/>
-          </p:nvPr>
-        </p:nvSpPr>
-        <p:spPr/>
-        <p:txBody>
-          <a:bodyPr/>
-          <a:lstStyle/>
-          <a:p>
-            <a:r>
-              <a:rPr lang="en-US" dirty="0"/>
               <a:t>WAV Data Chunk</a:t>
             </a:r>
           </a:p>
@@ -8213,7 +6696,7 @@
 </p:sld>
 </file>
 
-<file path=ppt/slides/slide34.xml><?xml version="1.0" encoding="utf-8"?>
+<file path=ppt/slides/slide31.xml><?xml version="1.0" encoding="utf-8"?>
 <p:sld xmlns:a="http://schemas.openxmlformats.org/drawingml/2006/main" xmlns:r="http://schemas.openxmlformats.org/officeDocument/2006/relationships" xmlns:p="http://schemas.openxmlformats.org/presentationml/2006/main">
   <p:cSld>
     <p:spTree>
@@ -8387,7 +6870,7 @@
 </p:sld>
 </file>
 
-<file path=ppt/slides/slide35.xml><?xml version="1.0" encoding="utf-8"?>
+<file path=ppt/slides/slide32.xml><?xml version="1.0" encoding="utf-8"?>
 <p:sld xmlns:a="http://schemas.openxmlformats.org/drawingml/2006/main" xmlns:r="http://schemas.openxmlformats.org/officeDocument/2006/relationships" xmlns:p="http://schemas.openxmlformats.org/presentationml/2006/main">
   <p:cSld>
     <p:spTree>
@@ -9130,30 +7613,6 @@
           <a:chExt cx="0" cy="0"/>
         </a:xfrm>
       </p:grpSpPr>
-      <p:graphicFrame>
-        <p:nvGraphicFramePr>
-          <p:cNvPr id="6" name="Chart 5"/>
-          <p:cNvGraphicFramePr>
-            <a:graphicFrameLocks noGrp="1"/>
-          </p:cNvGraphicFramePr>
-          <p:nvPr>
-            <p:extLst>
-              <p:ext uri="{D42A27DB-BD31-4B8C-83A1-F6EECF244321}">
-                <p14:modId xmlns:p14="http://schemas.microsoft.com/office/powerpoint/2010/main" val="150764622"/>
-              </p:ext>
-            </p:extLst>
-          </p:nvPr>
-        </p:nvGraphicFramePr>
-        <p:xfrm>
-          <a:off x="457200" y="537665"/>
-          <a:ext cx="8575040" cy="5831840"/>
-        </p:xfrm>
-        <a:graphic>
-          <a:graphicData uri="http://schemas.openxmlformats.org/drawingml/2006/chart">
-            <c:chart xmlns:c="http://schemas.openxmlformats.org/drawingml/2006/chart" xmlns:r="http://schemas.openxmlformats.org/officeDocument/2006/relationships" r:id="rId2"/>
-          </a:graphicData>
-        </a:graphic>
-      </p:graphicFrame>
       <p:sp>
         <p:nvSpPr>
           <p:cNvPr id="2" name="Title 1"/>
@@ -9164,23 +7623,54 @@
             <p:ph type="title"/>
           </p:nvPr>
         </p:nvSpPr>
-        <p:spPr>
-          <a:xfrm>
-            <a:off x="457200" y="131417"/>
-            <a:ext cx="8229600" cy="1143000"/>
-          </a:xfrm>
-          <a:solidFill>
-            <a:schemeClr val="bg1"/>
-          </a:solidFill>
-        </p:spPr>
+        <p:spPr/>
         <p:txBody>
           <a:bodyPr/>
           <a:lstStyle/>
           <a:p>
             <a:r>
               <a:rPr lang="en-US" dirty="0"/>
-              <a:t>Waves are Additive</a:t>
-            </a:r>
+              <a:t>Recording Audio</a:t>
+            </a:r>
+          </a:p>
+        </p:txBody>
+      </p:sp>
+      <p:sp>
+        <p:nvSpPr>
+          <p:cNvPr id="3" name="Content Placeholder 2"/>
+          <p:cNvSpPr>
+            <a:spLocks noGrp="1"/>
+          </p:cNvSpPr>
+          <p:nvPr>
+            <p:ph idx="1"/>
+          </p:nvPr>
+        </p:nvSpPr>
+        <p:spPr/>
+        <p:txBody>
+          <a:bodyPr>
+            <a:normAutofit/>
+          </a:bodyPr>
+          <a:lstStyle/>
+          <a:p>
+            <a:r>
+              <a:rPr lang="en-US" dirty="0"/>
+              <a:t>Audio signal sensed by a transducer and recorded on a physical artifact, i.e., a record</a:t>
+            </a:r>
+          </a:p>
+          <a:p>
+            <a:endParaRPr lang="en-US" dirty="0"/>
+          </a:p>
+          <a:p>
+            <a:r>
+              <a:rPr lang="en-US" dirty="0"/>
+              <a:t>Record has a co-designed “player” that uses the recording to reconstruct the recorded signal and to amplify it so that it can drive a “speaker” which emits the acoustic signal </a:t>
+            </a:r>
+          </a:p>
+          <a:p>
+            <a:pPr>
+              <a:buNone/>
+            </a:pPr>
+            <a:endParaRPr lang="en-US" dirty="0"/>
           </a:p>
         </p:txBody>
       </p:sp>
@@ -9248,7 +7738,7 @@
           <a:p>
             <a:r>
               <a:rPr lang="en-US" dirty="0"/>
-              <a:t>Asynchronous Waves</a:t>
+              <a:t>Transducers</a:t>
             </a:r>
           </a:p>
         </p:txBody>
@@ -9263,12 +7753,35 @@
             <p:ph idx="1"/>
           </p:nvPr>
         </p:nvSpPr>
-        <p:spPr/>
-        <p:txBody>
-          <a:bodyPr/>
-          <a:lstStyle/>
-          <a:p>
-            <a:endParaRPr lang="en-US"/>
+        <p:spPr>
+          <a:xfrm>
+            <a:off x="766405" y="1766956"/>
+            <a:ext cx="7869582" cy="4589393"/>
+          </a:xfrm>
+        </p:spPr>
+        <p:txBody>
+          <a:bodyPr/>
+          <a:lstStyle/>
+          <a:p>
+            <a:r>
+              <a:rPr lang="en-US" dirty="0"/>
+              <a:t>A transducer is a device that converts one type of energy to another or to a physical attribute.</a:t>
+            </a:r>
+          </a:p>
+          <a:p>
+            <a:endParaRPr lang="en-US" dirty="0"/>
+          </a:p>
+          <a:p>
+            <a:r>
+              <a:rPr lang="en-US" dirty="0"/>
+              <a:t>Examples: Ears, Microphones, Speakers, Voice Boxes, Radios, Televisions, Sonar Devices, ….</a:t>
+            </a:r>
+          </a:p>
+          <a:p>
+            <a:endParaRPr lang="en-US" dirty="0"/>
+          </a:p>
+          <a:p>
+            <a:endParaRPr lang="en-US" dirty="0"/>
           </a:p>
         </p:txBody>
       </p:sp>
@@ -9294,25 +7807,12 @@
           </a:p>
         </p:txBody>
       </p:sp>
-      <p:graphicFrame>
-        <p:nvGraphicFramePr>
-          <p:cNvPr id="6" name="Chart 5"/>
-          <p:cNvGraphicFramePr>
-            <a:graphicFrameLocks noGrp="1"/>
-          </p:cNvGraphicFramePr>
-          <p:nvPr/>
-        </p:nvGraphicFramePr>
-        <p:xfrm>
-          <a:off x="284480" y="513080"/>
-          <a:ext cx="8575040" cy="5831840"/>
-        </p:xfrm>
-        <a:graphic>
-          <a:graphicData uri="http://schemas.openxmlformats.org/drawingml/2006/chart">
-            <c:chart xmlns:c="http://schemas.openxmlformats.org/drawingml/2006/chart" xmlns:r="http://schemas.openxmlformats.org/officeDocument/2006/relationships" r:id="rId2"/>
-          </a:graphicData>
-        </a:graphic>
-      </p:graphicFrame>
     </p:spTree>
+    <p:extLst>
+      <p:ext uri="{BB962C8B-B14F-4D97-AF65-F5344CB8AC3E}">
+        <p14:creationId xmlns:p14="http://schemas.microsoft.com/office/powerpoint/2010/main" val="4073706693"/>
+      </p:ext>
+    </p:extLst>
   </p:cSld>
   <p:clrMapOvr>
     <a:masterClrMapping/>
